--- a/Föreläsningar/F04 - Webbteknik.pptx
+++ b/Föreläsningar/F04 - Webbteknik.pptx
@@ -5,45 +5,44 @@
     <p:sldMasterId id="2147483648" r:id="rId1"/>
   </p:sldMasterIdLst>
   <p:notesMasterIdLst>
-    <p:notesMasterId r:id="rId35"/>
+    <p:notesMasterId r:id="rId34"/>
   </p:notesMasterIdLst>
   <p:handoutMasterIdLst>
-    <p:handoutMasterId r:id="rId36"/>
+    <p:handoutMasterId r:id="rId35"/>
   </p:handoutMasterIdLst>
   <p:sldIdLst>
     <p:sldId id="473" r:id="rId2"/>
     <p:sldId id="321" r:id="rId3"/>
     <p:sldId id="282" r:id="rId4"/>
-    <p:sldId id="337" r:id="rId5"/>
-    <p:sldId id="338" r:id="rId6"/>
-    <p:sldId id="339" r:id="rId7"/>
-    <p:sldId id="340" r:id="rId8"/>
-    <p:sldId id="341" r:id="rId9"/>
-    <p:sldId id="343" r:id="rId10"/>
-    <p:sldId id="342" r:id="rId11"/>
-    <p:sldId id="345" r:id="rId12"/>
-    <p:sldId id="346" r:id="rId13"/>
-    <p:sldId id="348" r:id="rId14"/>
-    <p:sldId id="474" r:id="rId15"/>
-    <p:sldId id="475" r:id="rId16"/>
-    <p:sldId id="476" r:id="rId17"/>
-    <p:sldId id="477" r:id="rId18"/>
-    <p:sldId id="478" r:id="rId19"/>
-    <p:sldId id="479" r:id="rId20"/>
-    <p:sldId id="480" r:id="rId21"/>
-    <p:sldId id="481" r:id="rId22"/>
-    <p:sldId id="482" r:id="rId23"/>
-    <p:sldId id="483" r:id="rId24"/>
-    <p:sldId id="484" r:id="rId25"/>
-    <p:sldId id="485" r:id="rId26"/>
-    <p:sldId id="486" r:id="rId27"/>
-    <p:sldId id="487" r:id="rId28"/>
-    <p:sldId id="488" r:id="rId29"/>
-    <p:sldId id="489" r:id="rId30"/>
-    <p:sldId id="490" r:id="rId31"/>
-    <p:sldId id="491" r:id="rId32"/>
-    <p:sldId id="492" r:id="rId33"/>
-    <p:sldId id="493" r:id="rId34"/>
+    <p:sldId id="338" r:id="rId5"/>
+    <p:sldId id="339" r:id="rId6"/>
+    <p:sldId id="340" r:id="rId7"/>
+    <p:sldId id="341" r:id="rId8"/>
+    <p:sldId id="343" r:id="rId9"/>
+    <p:sldId id="342" r:id="rId10"/>
+    <p:sldId id="345" r:id="rId11"/>
+    <p:sldId id="346" r:id="rId12"/>
+    <p:sldId id="348" r:id="rId13"/>
+    <p:sldId id="474" r:id="rId14"/>
+    <p:sldId id="475" r:id="rId15"/>
+    <p:sldId id="476" r:id="rId16"/>
+    <p:sldId id="477" r:id="rId17"/>
+    <p:sldId id="478" r:id="rId18"/>
+    <p:sldId id="479" r:id="rId19"/>
+    <p:sldId id="480" r:id="rId20"/>
+    <p:sldId id="481" r:id="rId21"/>
+    <p:sldId id="482" r:id="rId22"/>
+    <p:sldId id="483" r:id="rId23"/>
+    <p:sldId id="484" r:id="rId24"/>
+    <p:sldId id="485" r:id="rId25"/>
+    <p:sldId id="486" r:id="rId26"/>
+    <p:sldId id="487" r:id="rId27"/>
+    <p:sldId id="488" r:id="rId28"/>
+    <p:sldId id="489" r:id="rId29"/>
+    <p:sldId id="490" r:id="rId30"/>
+    <p:sldId id="491" r:id="rId31"/>
+    <p:sldId id="492" r:id="rId32"/>
+    <p:sldId id="493" r:id="rId33"/>
   </p:sldIdLst>
   <p:sldSz cx="9144000" cy="5715000" type="screen16x10"/>
   <p:notesSz cx="7099300" cy="10234613"/>
@@ -228,7 +227,7 @@
             <a:fld id="{D591C14E-198E-48A7-ABEC-7FB80E868E55}" type="datetimeFigureOut">
               <a:rPr lang="sv-SE" smtClean="0"/>
               <a:pPr/>
-              <a:t>2013-09-24</a:t>
+              <a:t>2013-11-25</a:t>
             </a:fld>
             <a:endParaRPr lang="sv-SE"/>
           </a:p>
@@ -395,7 +394,7 @@
             <a:fld id="{188BB863-C913-48B5-BD1A-638D82A0C76B}" type="datetimeFigureOut">
               <a:rPr lang="sv-SE" smtClean="0"/>
               <a:pPr/>
-              <a:t>2013-09-24</a:t>
+              <a:t>2013-11-25</a:t>
             </a:fld>
             <a:endParaRPr lang="sv-SE"/>
           </a:p>
@@ -821,7 +820,7 @@
             <a:fld id="{87A2DC32-3504-46EA-A4CB-95ED6A325EDF}" type="slidenum">
               <a:rPr lang="sv-SE" smtClean="0"/>
               <a:pPr/>
-              <a:t>9</a:t>
+              <a:t>8</a:t>
             </a:fld>
             <a:endParaRPr lang="sv-SE"/>
           </a:p>
@@ -961,7 +960,7 @@
             <a:fld id="{87A2DC32-3504-46EA-A4CB-95ED6A325EDF}" type="slidenum">
               <a:rPr lang="sv-SE" smtClean="0"/>
               <a:pPr/>
-              <a:t>12</a:t>
+              <a:t>11</a:t>
             </a:fld>
             <a:endParaRPr lang="sv-SE"/>
           </a:p>
@@ -1105,7 +1104,7 @@
             <a:fld id="{87A2DC32-3504-46EA-A4CB-95ED6A325EDF}" type="slidenum">
               <a:rPr lang="sv-SE" smtClean="0"/>
               <a:pPr/>
-              <a:t>15</a:t>
+              <a:t>14</a:t>
             </a:fld>
             <a:endParaRPr lang="sv-SE"/>
           </a:p>
@@ -1216,7 +1215,7 @@
             <a:fld id="{87A2DC32-3504-46EA-A4CB-95ED6A325EDF}" type="slidenum">
               <a:rPr lang="sv-SE" smtClean="0"/>
               <a:pPr/>
-              <a:t>17</a:t>
+              <a:t>16</a:t>
             </a:fld>
             <a:endParaRPr lang="sv-SE"/>
           </a:p>
@@ -7627,11 +7626,7 @@
           <a:p>
             <a:r>
               <a:rPr lang="sv-SE" b="1" dirty="0" smtClean="0"/>
-              <a:t>F04 – </a:t>
-            </a:r>
-            <a:r>
-              <a:rPr lang="sv-SE" b="1" dirty="0" smtClean="0"/>
-              <a:t>Webbteknik</a:t>
+              <a:t>F04 – Webbteknik</a:t>
             </a:r>
             <a:endParaRPr lang="sv-SE" b="1" dirty="0"/>
           </a:p>
@@ -7663,17 +7658,8 @@
               <a:rPr lang="sv-SE" sz="2800" b="1" dirty="0" smtClean="0">
                 <a:latin typeface="Minya Nouvelle" pitchFamily="2" charset="0"/>
               </a:rPr>
-              <a:t>Föreläsning 4, </a:t>
-            </a:r>
-            <a:r>
-              <a:rPr lang="sv-SE" sz="2800" b="1" dirty="0" smtClean="0">
-                <a:latin typeface="Minya Nouvelle" pitchFamily="2" charset="0"/>
-              </a:rPr>
-              <a:t>HT2013</a:t>
-            </a:r>
-            <a:endParaRPr lang="sv-SE" sz="2800" b="1" dirty="0" smtClean="0">
-              <a:latin typeface="Minya Nouvelle" pitchFamily="2" charset="0"/>
-            </a:endParaRPr>
+              <a:t>Föreläsning 4, HT2013</a:t>
+            </a:r>
           </a:p>
           <a:p>
             <a:r>
@@ -7682,9 +7668,6 @@
               </a:rPr>
               <a:t>Webbteknik</a:t>
             </a:r>
-            <a:endParaRPr lang="sv-SE" sz="2800" dirty="0" smtClean="0">
-              <a:latin typeface="Minya Nouvelle" pitchFamily="2" charset="0"/>
-            </a:endParaRPr>
           </a:p>
         </p:txBody>
       </p:sp>
@@ -7815,493 +7798,6 @@
           <a:p>
             <a:r>
               <a:rPr lang="sv-SE" dirty="0" smtClean="0"/>
-              <a:t>Testa, testa, testa!</a:t>
-            </a:r>
-            <a:endParaRPr lang="sv-SE" dirty="0"/>
-          </a:p>
-        </p:txBody>
-      </p:sp>
-      <p:pic>
-        <p:nvPicPr>
-          <p:cNvPr id="37890" name="Picture 2"/>
-          <p:cNvPicPr>
-            <a:picLocks noChangeAspect="1" noChangeArrowheads="1"/>
-          </p:cNvPicPr>
-          <p:nvPr/>
-        </p:nvPicPr>
-        <p:blipFill>
-          <a:blip r:embed="rId2">
-            <a:extLst>
-              <a:ext uri="{28A0092B-C50C-407E-A947-70E740481C1C}">
-                <a14:useLocalDpi xmlns:a14="http://schemas.microsoft.com/office/drawing/2010/main" val="0"/>
-              </a:ext>
-            </a:extLst>
-          </a:blip>
-          <a:srcRect/>
-          <a:stretch>
-            <a:fillRect/>
-          </a:stretch>
-        </p:blipFill>
-        <p:spPr bwMode="auto">
-          <a:xfrm>
-            <a:off x="683568" y="1343025"/>
-            <a:ext cx="2019300" cy="1514475"/>
-          </a:xfrm>
-          <a:prstGeom prst="rect">
-            <a:avLst/>
-          </a:prstGeom>
-          <a:noFill/>
-          <a:ln>
-            <a:noFill/>
-          </a:ln>
-          <a:effectLst/>
-          <a:extLst>
-            <a:ext uri="{909E8E84-426E-40dd-AFC4-6F175D3DCCD1}">
-              <a14:hiddenFill xmlns:a14="http://schemas.microsoft.com/office/drawing/2010/main">
-                <a:solidFill>
-                  <a:schemeClr val="accent1"/>
-                </a:solidFill>
-              </a14:hiddenFill>
-            </a:ext>
-            <a:ext uri="{91240B29-F687-4f45-9708-019B960494DF}">
-              <a14:hiddenLine xmlns:a14="http://schemas.microsoft.com/office/drawing/2010/main" w="9525">
-                <a:solidFill>
-                  <a:schemeClr val="tx1"/>
-                </a:solidFill>
-                <a:miter lim="800000"/>
-                <a:headEnd/>
-                <a:tailEnd/>
-              </a14:hiddenLine>
-            </a:ext>
-            <a:ext uri="{AF507438-7753-43e0-B8FC-AC1667EBCBE1}">
-              <a14:hiddenEffects xmlns:a14="http://schemas.microsoft.com/office/drawing/2010/main">
-                <a:effectLst>
-                  <a:outerShdw dist="35921" dir="2700000" algn="ctr" rotWithShape="0">
-                    <a:schemeClr val="bg2"/>
-                  </a:outerShdw>
-                </a:effectLst>
-              </a14:hiddenEffects>
-            </a:ext>
-          </a:extLst>
-        </p:spPr>
-      </p:pic>
-      <p:pic>
-        <p:nvPicPr>
-          <p:cNvPr id="37891" name="Picture 3"/>
-          <p:cNvPicPr>
-            <a:picLocks noChangeAspect="1" noChangeArrowheads="1"/>
-          </p:cNvPicPr>
-          <p:nvPr/>
-        </p:nvPicPr>
-        <p:blipFill>
-          <a:blip r:embed="rId3">
-            <a:extLst>
-              <a:ext uri="{28A0092B-C50C-407E-A947-70E740481C1C}">
-                <a14:useLocalDpi xmlns:a14="http://schemas.microsoft.com/office/drawing/2010/main" val="0"/>
-              </a:ext>
-            </a:extLst>
-          </a:blip>
-          <a:srcRect/>
-          <a:stretch>
-            <a:fillRect/>
-          </a:stretch>
-        </p:blipFill>
-        <p:spPr bwMode="auto">
-          <a:xfrm>
-            <a:off x="1403648" y="2353444"/>
-            <a:ext cx="2019300" cy="1514475"/>
-          </a:xfrm>
-          <a:prstGeom prst="rect">
-            <a:avLst/>
-          </a:prstGeom>
-          <a:noFill/>
-          <a:ln>
-            <a:noFill/>
-          </a:ln>
-          <a:effectLst/>
-          <a:extLst>
-            <a:ext uri="{909E8E84-426E-40dd-AFC4-6F175D3DCCD1}">
-              <a14:hiddenFill xmlns:a14="http://schemas.microsoft.com/office/drawing/2010/main">
-                <a:solidFill>
-                  <a:schemeClr val="accent1"/>
-                </a:solidFill>
-              </a14:hiddenFill>
-            </a:ext>
-            <a:ext uri="{91240B29-F687-4f45-9708-019B960494DF}">
-              <a14:hiddenLine xmlns:a14="http://schemas.microsoft.com/office/drawing/2010/main" w="9525">
-                <a:solidFill>
-                  <a:schemeClr val="tx1"/>
-                </a:solidFill>
-                <a:miter lim="800000"/>
-                <a:headEnd/>
-                <a:tailEnd/>
-              </a14:hiddenLine>
-            </a:ext>
-            <a:ext uri="{AF507438-7753-43e0-B8FC-AC1667EBCBE1}">
-              <a14:hiddenEffects xmlns:a14="http://schemas.microsoft.com/office/drawing/2010/main">
-                <a:effectLst>
-                  <a:outerShdw dist="35921" dir="2700000" algn="ctr" rotWithShape="0">
-                    <a:schemeClr val="bg2"/>
-                  </a:outerShdw>
-                </a:effectLst>
-              </a14:hiddenEffects>
-            </a:ext>
-          </a:extLst>
-        </p:spPr>
-      </p:pic>
-      <p:pic>
-        <p:nvPicPr>
-          <p:cNvPr id="37892" name="Picture 4"/>
-          <p:cNvPicPr>
-            <a:picLocks noChangeAspect="1" noChangeArrowheads="1"/>
-          </p:cNvPicPr>
-          <p:nvPr/>
-        </p:nvPicPr>
-        <p:blipFill>
-          <a:blip r:embed="rId4">
-            <a:extLst>
-              <a:ext uri="{28A0092B-C50C-407E-A947-70E740481C1C}">
-                <a14:useLocalDpi xmlns:a14="http://schemas.microsoft.com/office/drawing/2010/main" val="0"/>
-              </a:ext>
-            </a:extLst>
-          </a:blip>
-          <a:srcRect/>
-          <a:stretch>
-            <a:fillRect/>
-          </a:stretch>
-        </p:blipFill>
-        <p:spPr bwMode="auto">
-          <a:xfrm>
-            <a:off x="664065" y="3505572"/>
-            <a:ext cx="2019300" cy="1514475"/>
-          </a:xfrm>
-          <a:prstGeom prst="rect">
-            <a:avLst/>
-          </a:prstGeom>
-          <a:noFill/>
-          <a:ln>
-            <a:noFill/>
-          </a:ln>
-          <a:effectLst/>
-          <a:extLst>
-            <a:ext uri="{909E8E84-426E-40dd-AFC4-6F175D3DCCD1}">
-              <a14:hiddenFill xmlns:a14="http://schemas.microsoft.com/office/drawing/2010/main">
-                <a:solidFill>
-                  <a:schemeClr val="accent1"/>
-                </a:solidFill>
-              </a14:hiddenFill>
-            </a:ext>
-            <a:ext uri="{91240B29-F687-4f45-9708-019B960494DF}">
-              <a14:hiddenLine xmlns:a14="http://schemas.microsoft.com/office/drawing/2010/main" w="9525">
-                <a:solidFill>
-                  <a:schemeClr val="tx1"/>
-                </a:solidFill>
-                <a:miter lim="800000"/>
-                <a:headEnd/>
-                <a:tailEnd/>
-              </a14:hiddenLine>
-            </a:ext>
-            <a:ext uri="{AF507438-7753-43e0-B8FC-AC1667EBCBE1}">
-              <a14:hiddenEffects xmlns:a14="http://schemas.microsoft.com/office/drawing/2010/main">
-                <a:effectLst>
-                  <a:outerShdw dist="35921" dir="2700000" algn="ctr" rotWithShape="0">
-                    <a:schemeClr val="bg2"/>
-                  </a:outerShdw>
-                </a:effectLst>
-              </a14:hiddenEffects>
-            </a:ext>
-          </a:extLst>
-        </p:spPr>
-      </p:pic>
-      <p:pic>
-        <p:nvPicPr>
-          <p:cNvPr id="37897" name="Picture 9" descr="http://www.virtualbox.org/graphics/vbox_logo2_gradient.png"/>
-          <p:cNvPicPr>
-            <a:picLocks noChangeAspect="1" noChangeArrowheads="1"/>
-          </p:cNvPicPr>
-          <p:nvPr/>
-        </p:nvPicPr>
-        <p:blipFill>
-          <a:blip r:embed="rId5">
-            <a:extLst>
-              <a:ext uri="{28A0092B-C50C-407E-A947-70E740481C1C}">
-                <a14:useLocalDpi xmlns:a14="http://schemas.microsoft.com/office/drawing/2010/main" val="0"/>
-              </a:ext>
-            </a:extLst>
-          </a:blip>
-          <a:srcRect/>
-          <a:stretch>
-            <a:fillRect/>
-          </a:stretch>
-        </p:blipFill>
-        <p:spPr bwMode="auto">
-          <a:xfrm>
-            <a:off x="5580112" y="2100262"/>
-            <a:ext cx="1333500" cy="1714500"/>
-          </a:xfrm>
-          <a:prstGeom prst="rect">
-            <a:avLst/>
-          </a:prstGeom>
-          <a:solidFill>
-            <a:srgbClr val="FFFFFF">
-              <a:shade val="85000"/>
-            </a:srgbClr>
-          </a:solidFill>
-          <a:ln w="190500" cap="sq">
-            <a:solidFill>
-              <a:srgbClr val="FFFFFF"/>
-            </a:solidFill>
-            <a:miter lim="800000"/>
-          </a:ln>
-          <a:effectLst>
-            <a:outerShdw blurRad="65000" dist="50800" dir="12900000" kx="195000" ky="145000" algn="tl" rotWithShape="0">
-              <a:srgbClr val="000000">
-                <a:alpha val="30000"/>
-              </a:srgbClr>
-            </a:outerShdw>
-          </a:effectLst>
-          <a:scene3d>
-            <a:camera prst="orthographicFront">
-              <a:rot lat="0" lon="0" rev="360000"/>
-            </a:camera>
-            <a:lightRig rig="twoPt" dir="t">
-              <a:rot lat="0" lon="0" rev="7200000"/>
-            </a:lightRig>
-          </a:scene3d>
-          <a:sp3d contourW="12700">
-            <a:bevelT w="25400" h="19050"/>
-            <a:contourClr>
-              <a:srgbClr val="969696"/>
-            </a:contourClr>
-          </a:sp3d>
-          <a:extLst/>
-        </p:spPr>
-      </p:pic>
-      <p:sp>
-        <p:nvSpPr>
-          <p:cNvPr id="27" name="TextBox 26"/>
-          <p:cNvSpPr txBox="1"/>
-          <p:nvPr/>
-        </p:nvSpPr>
-        <p:spPr>
-          <a:xfrm rot="21253772">
-            <a:off x="5724128" y="3886900"/>
-            <a:ext cx="1399742" cy="369332"/>
-          </a:xfrm>
-          <a:prstGeom prst="rect">
-            <a:avLst/>
-          </a:prstGeom>
-          <a:noFill/>
-        </p:spPr>
-        <p:txBody>
-          <a:bodyPr wrap="none" rtlCol="0">
-            <a:spAutoFit/>
-          </a:bodyPr>
-          <a:lstStyle/>
-          <a:p>
-            <a:r>
-              <a:rPr lang="sv-SE" dirty="0" err="1" smtClean="0">
-                <a:latin typeface="Minya Nouvelle" pitchFamily="2" charset="0"/>
-              </a:rPr>
-              <a:t>Virtual</a:t>
-            </a:r>
-            <a:r>
-              <a:rPr lang="sv-SE" dirty="0">
-                <a:latin typeface="Minya Nouvelle" pitchFamily="2" charset="0"/>
-              </a:rPr>
-              <a:t> </a:t>
-            </a:r>
-            <a:r>
-              <a:rPr lang="sv-SE" dirty="0" smtClean="0">
-                <a:latin typeface="Minya Nouvelle" pitchFamily="2" charset="0"/>
-              </a:rPr>
-              <a:t>Box</a:t>
-            </a:r>
-          </a:p>
-        </p:txBody>
-      </p:sp>
-      <p:sp>
-        <p:nvSpPr>
-          <p:cNvPr id="29" name="Rectangle 28"/>
-          <p:cNvSpPr/>
-          <p:nvPr/>
-        </p:nvSpPr>
-        <p:spPr>
-          <a:xfrm>
-            <a:off x="467544" y="5089748"/>
-            <a:ext cx="3122971" cy="369332"/>
-          </a:xfrm>
-          <a:prstGeom prst="rect">
-            <a:avLst/>
-          </a:prstGeom>
-        </p:spPr>
-        <p:txBody>
-          <a:bodyPr wrap="none">
-            <a:spAutoFit/>
-          </a:bodyPr>
-          <a:lstStyle/>
-          <a:p>
-            <a:r>
-              <a:rPr lang="sv-SE" dirty="0">
-                <a:latin typeface="Minya Nouvelle" charset="0"/>
-              </a:rPr>
-              <a:t>http://spoon.net/browsers/</a:t>
-            </a:r>
-          </a:p>
-        </p:txBody>
-      </p:sp>
-      <p:sp>
-        <p:nvSpPr>
-          <p:cNvPr id="30" name="Rectangle 29"/>
-          <p:cNvSpPr/>
-          <p:nvPr/>
-        </p:nvSpPr>
-        <p:spPr>
-          <a:xfrm>
-            <a:off x="4405100" y="5020047"/>
-            <a:ext cx="4572000" cy="369332"/>
-          </a:xfrm>
-          <a:prstGeom prst="rect">
-            <a:avLst/>
-          </a:prstGeom>
-        </p:spPr>
-        <p:txBody>
-          <a:bodyPr>
-            <a:spAutoFit/>
-          </a:bodyPr>
-          <a:lstStyle/>
-          <a:p>
-            <a:pPr algn="r"/>
-            <a:r>
-              <a:rPr lang="sv-SE" dirty="0"/>
-              <a:t>http://</a:t>
-            </a:r>
-            <a:r>
-              <a:rPr lang="sv-SE" dirty="0" err="1"/>
-              <a:t>goo.gl</a:t>
-            </a:r>
-            <a:r>
-              <a:rPr lang="sv-SE" dirty="0"/>
-              <a:t>/L1xeOj</a:t>
-            </a:r>
-            <a:endParaRPr lang="sv-SE" dirty="0"/>
-          </a:p>
-        </p:txBody>
-      </p:sp>
-      <p:sp>
-        <p:nvSpPr>
-          <p:cNvPr id="31" name="TextBox 30"/>
-          <p:cNvSpPr txBox="1"/>
-          <p:nvPr/>
-        </p:nvSpPr>
-        <p:spPr>
-          <a:xfrm>
-            <a:off x="4499168" y="4838590"/>
-            <a:ext cx="2414444" cy="646331"/>
-          </a:xfrm>
-          <a:prstGeom prst="rect">
-            <a:avLst/>
-          </a:prstGeom>
-          <a:noFill/>
-        </p:spPr>
-        <p:txBody>
-          <a:bodyPr wrap="none" rtlCol="0">
-            <a:spAutoFit/>
-          </a:bodyPr>
-          <a:lstStyle/>
-          <a:p>
-            <a:r>
-              <a:rPr lang="sv-SE" dirty="0" err="1" smtClean="0">
-                <a:latin typeface="Minya Nouvelle" pitchFamily="2" charset="0"/>
-              </a:rPr>
-              <a:t>Smashing</a:t>
-            </a:r>
-            <a:r>
-              <a:rPr lang="sv-SE" dirty="0" smtClean="0">
-                <a:latin typeface="Minya Nouvelle" pitchFamily="2" charset="0"/>
-              </a:rPr>
-              <a:t> Magazine: </a:t>
-            </a:r>
-            <a:br>
-              <a:rPr lang="sv-SE" dirty="0" smtClean="0">
-                <a:latin typeface="Minya Nouvelle" pitchFamily="2" charset="0"/>
-              </a:rPr>
-            </a:br>
-            <a:r>
-              <a:rPr lang="sv-SE" dirty="0" smtClean="0">
-                <a:latin typeface="Minya Nouvelle" pitchFamily="2" charset="0"/>
-              </a:rPr>
-              <a:t>Crossbrowser </a:t>
-            </a:r>
-            <a:r>
-              <a:rPr lang="sv-SE" dirty="0" err="1" smtClean="0">
-                <a:latin typeface="Minya Nouvelle" pitchFamily="2" charset="0"/>
-              </a:rPr>
-              <a:t>review</a:t>
-            </a:r>
-            <a:r>
-              <a:rPr lang="sv-SE" dirty="0" smtClean="0">
-                <a:latin typeface="Minya Nouvelle" pitchFamily="2" charset="0"/>
-              </a:rPr>
-              <a:t>:</a:t>
-            </a:r>
-          </a:p>
-        </p:txBody>
-      </p:sp>
-    </p:spTree>
-    <p:extLst>
-      <p:ext uri="{BB962C8B-B14F-4D97-AF65-F5344CB8AC3E}">
-        <p14:creationId xmlns:p14="http://schemas.microsoft.com/office/powerpoint/2010/main" val="1883267435"/>
-      </p:ext>
-    </p:extLst>
-  </p:cSld>
-  <p:clrMapOvr>
-    <a:masterClrMapping/>
-  </p:clrMapOvr>
-  <p:timing>
-    <p:tnLst>
-      <p:par>
-        <p:cTn xmlns:p14="http://schemas.microsoft.com/office/powerpoint/2010/main" id="1" dur="indefinite" restart="never" nodeType="tmRoot"/>
-      </p:par>
-    </p:tnLst>
-  </p:timing>
-</p:sld>
-</file>
-
-<file path=ppt/slides/slide11.xml><?xml version="1.0" encoding="utf-8"?>
-<p:sld xmlns:a="http://schemas.openxmlformats.org/drawingml/2006/main" xmlns:r="http://schemas.openxmlformats.org/officeDocument/2006/relationships" xmlns:p="http://schemas.openxmlformats.org/presentationml/2006/main">
-  <p:cSld>
-    <p:spTree>
-      <p:nvGrpSpPr>
-        <p:cNvPr id="1" name=""/>
-        <p:cNvGrpSpPr/>
-        <p:nvPr/>
-      </p:nvGrpSpPr>
-      <p:grpSpPr>
-        <a:xfrm>
-          <a:off x="0" y="0"/>
-          <a:ext cx="0" cy="0"/>
-          <a:chOff x="0" y="0"/>
-          <a:chExt cx="0" cy="0"/>
-        </a:xfrm>
-      </p:grpSpPr>
-      <p:sp>
-        <p:nvSpPr>
-          <p:cNvPr id="2" name="Title 1"/>
-          <p:cNvSpPr>
-            <a:spLocks noGrp="1"/>
-          </p:cNvSpPr>
-          <p:nvPr>
-            <p:ph type="ctrTitle"/>
-          </p:nvPr>
-        </p:nvSpPr>
-        <p:spPr/>
-        <p:txBody>
-          <a:bodyPr/>
-          <a:lstStyle/>
-          <a:p>
-            <a:r>
-              <a:rPr lang="sv-SE" dirty="0" smtClean="0"/>
               <a:t>Standarder på webben</a:t>
             </a:r>
             <a:endParaRPr lang="sv-SE" dirty="0"/>
@@ -8435,7 +7931,7 @@
 </p:sld>
 </file>
 
-<file path=ppt/slides/slide12.xml><?xml version="1.0" encoding="utf-8"?>
+<file path=ppt/slides/slide11.xml><?xml version="1.0" encoding="utf-8"?>
 <p:sld xmlns:a="http://schemas.openxmlformats.org/drawingml/2006/main" xmlns:r="http://schemas.openxmlformats.org/officeDocument/2006/relationships" xmlns:p="http://schemas.openxmlformats.org/presentationml/2006/main">
   <p:cSld>
     <p:spTree>
@@ -8758,7 +8254,7 @@
 </p:sld>
 </file>
 
-<file path=ppt/slides/slide13.xml><?xml version="1.0" encoding="utf-8"?>
+<file path=ppt/slides/slide12.xml><?xml version="1.0" encoding="utf-8"?>
 <p:sld xmlns:a="http://schemas.openxmlformats.org/drawingml/2006/main" xmlns:r="http://schemas.openxmlformats.org/officeDocument/2006/relationships" xmlns:p="http://schemas.openxmlformats.org/presentationml/2006/main">
   <p:cSld>
     <p:spTree>
@@ -10163,7 +9659,7 @@
 </p:sld>
 </file>
 
-<file path=ppt/slides/slide14.xml><?xml version="1.0" encoding="utf-8"?>
+<file path=ppt/slides/slide13.xml><?xml version="1.0" encoding="utf-8"?>
 <p:sld xmlns:a="http://schemas.openxmlformats.org/drawingml/2006/main" xmlns:r="http://schemas.openxmlformats.org/officeDocument/2006/relationships" xmlns:p="http://schemas.openxmlformats.org/presentationml/2006/main">
   <p:cSld>
     <p:spTree>
@@ -10275,7 +9771,7 @@
 </p:sld>
 </file>
 
-<file path=ppt/slides/slide15.xml><?xml version="1.0" encoding="utf-8"?>
+<file path=ppt/slides/slide14.xml><?xml version="1.0" encoding="utf-8"?>
 <p:sld xmlns:a="http://schemas.openxmlformats.org/drawingml/2006/main" xmlns:r="http://schemas.openxmlformats.org/officeDocument/2006/relationships" xmlns:p="http://schemas.openxmlformats.org/presentationml/2006/main">
   <p:cSld>
     <p:spTree>
@@ -10386,21 +9882,7 @@
                 <a:latin typeface="Times New Roman" pitchFamily="18" charset="0"/>
                 <a:cs typeface="Times New Roman" pitchFamily="18" charset="0"/>
               </a:rPr>
-              <a:t>	Hörselskador (</a:t>
-            </a:r>
-            <a:r>
-              <a:rPr lang="sv-SE" sz="1600" dirty="0" smtClean="0">
-                <a:latin typeface="Times New Roman" pitchFamily="18" charset="0"/>
-                <a:cs typeface="Times New Roman" pitchFamily="18" charset="0"/>
-              </a:rPr>
-              <a:t>~600 </a:t>
-            </a:r>
-            <a:r>
-              <a:rPr lang="sv-SE" sz="1600" dirty="0" smtClean="0">
-                <a:latin typeface="Times New Roman" pitchFamily="18" charset="0"/>
-                <a:cs typeface="Times New Roman" pitchFamily="18" charset="0"/>
-              </a:rPr>
-              <a:t>000)</a:t>
+              <a:t>	Hörselskador (~600 000)</a:t>
             </a:r>
             <a:r>
               <a:rPr lang="sv-SE" sz="1600" dirty="0">
@@ -10445,21 +9927,7 @@
                 <a:latin typeface="Times New Roman" pitchFamily="18" charset="0"/>
                 <a:cs typeface="Times New Roman" pitchFamily="18" charset="0"/>
               </a:rPr>
-              <a:t>) (~</a:t>
-            </a:r>
-            <a:r>
-              <a:rPr lang="sv-SE" sz="1600" dirty="0" smtClean="0">
-                <a:latin typeface="Times New Roman" pitchFamily="18" charset="0"/>
-                <a:cs typeface="Times New Roman" pitchFamily="18" charset="0"/>
-              </a:rPr>
-              <a:t>120 </a:t>
-            </a:r>
-            <a:r>
-              <a:rPr lang="sv-SE" sz="1600" dirty="0" smtClean="0">
-                <a:latin typeface="Times New Roman" pitchFamily="18" charset="0"/>
-                <a:cs typeface="Times New Roman" pitchFamily="18" charset="0"/>
-              </a:rPr>
-              <a:t>000)</a:t>
+              <a:t>) (~120 000)</a:t>
             </a:r>
             <a:r>
               <a:rPr lang="sv-SE" sz="1600" dirty="0">
@@ -10497,14 +9965,7 @@
                 <a:latin typeface="Times New Roman" pitchFamily="18" charset="0"/>
                 <a:cs typeface="Times New Roman" pitchFamily="18" charset="0"/>
               </a:rPr>
-              <a:t>~1 330 </a:t>
-            </a:r>
-            <a:r>
-              <a:rPr lang="sv-SE" sz="1600" dirty="0" smtClean="0">
-                <a:latin typeface="Times New Roman" pitchFamily="18" charset="0"/>
-                <a:cs typeface="Times New Roman" pitchFamily="18" charset="0"/>
-              </a:rPr>
-              <a:t>000)</a:t>
+              <a:t>~560 000)</a:t>
             </a:r>
             <a:endParaRPr lang="sv-SE" sz="1600" dirty="0">
               <a:latin typeface="Times New Roman" pitchFamily="18" charset="0"/>
@@ -10851,7 +10312,7 @@
 </p:sld>
 </file>
 
-<file path=ppt/slides/slide16.xml><?xml version="1.0" encoding="utf-8"?>
+<file path=ppt/slides/slide15.xml><?xml version="1.0" encoding="utf-8"?>
 <p:sld xmlns:a="http://schemas.openxmlformats.org/drawingml/2006/main" xmlns:r="http://schemas.openxmlformats.org/officeDocument/2006/relationships" xmlns:p="http://schemas.openxmlformats.org/presentationml/2006/main">
   <p:cSld>
     <p:spTree>
@@ -10941,7 +10402,6 @@
               <a:rPr lang="sv-SE" sz="1600" i="1" dirty="0"/>
               <a:t>/</a:t>
             </a:r>
-            <a:endParaRPr lang="sv-SE" sz="1600" i="1" dirty="0"/>
           </a:p>
         </p:txBody>
       </p:sp>
@@ -11169,7 +10629,7 @@
 </p:sld>
 </file>
 
-<file path=ppt/slides/slide17.xml><?xml version="1.0" encoding="utf-8"?>
+<file path=ppt/slides/slide16.xml><?xml version="1.0" encoding="utf-8"?>
 <p:sld xmlns:a="http://schemas.openxmlformats.org/drawingml/2006/main" xmlns:r="http://schemas.openxmlformats.org/officeDocument/2006/relationships" xmlns:p="http://schemas.openxmlformats.org/presentationml/2006/main">
   <p:cSld>
     <p:spTree>
@@ -11569,7 +11029,7 @@
 </p:sld>
 </file>
 
-<file path=ppt/slides/slide18.xml><?xml version="1.0" encoding="utf-8"?>
+<file path=ppt/slides/slide17.xml><?xml version="1.0" encoding="utf-8"?>
 <p:sld xmlns:a="http://schemas.openxmlformats.org/drawingml/2006/main" xmlns:r="http://schemas.openxmlformats.org/officeDocument/2006/relationships" xmlns:p="http://schemas.openxmlformats.org/presentationml/2006/main">
   <p:cSld>
     <p:spTree>
@@ -11845,7 +11305,7 @@
 </p:sld>
 </file>
 
-<file path=ppt/slides/slide19.xml><?xml version="1.0" encoding="utf-8"?>
+<file path=ppt/slides/slide18.xml><?xml version="1.0" encoding="utf-8"?>
 <p:sld xmlns:a="http://schemas.openxmlformats.org/drawingml/2006/main" xmlns:r="http://schemas.openxmlformats.org/officeDocument/2006/relationships" xmlns:p="http://schemas.openxmlformats.org/presentationml/2006/main">
   <p:cSld>
     <p:spTree>
@@ -12038,6 +11498,235 @@
 </p:sld>
 </file>
 
+<file path=ppt/slides/slide19.xml><?xml version="1.0" encoding="utf-8"?>
+<p:sld xmlns:a="http://schemas.openxmlformats.org/drawingml/2006/main" xmlns:r="http://schemas.openxmlformats.org/officeDocument/2006/relationships" xmlns:p="http://schemas.openxmlformats.org/presentationml/2006/main">
+  <p:cSld>
+    <p:spTree>
+      <p:nvGrpSpPr>
+        <p:cNvPr id="1" name=""/>
+        <p:cNvGrpSpPr/>
+        <p:nvPr/>
+      </p:nvGrpSpPr>
+      <p:grpSpPr>
+        <a:xfrm>
+          <a:off x="0" y="0"/>
+          <a:ext cx="0" cy="0"/>
+          <a:chOff x="0" y="0"/>
+          <a:chExt cx="0" cy="0"/>
+        </a:xfrm>
+      </p:grpSpPr>
+      <p:sp>
+        <p:nvSpPr>
+          <p:cNvPr id="2" name="Title 1"/>
+          <p:cNvSpPr>
+            <a:spLocks noGrp="1"/>
+          </p:cNvSpPr>
+          <p:nvPr>
+            <p:ph type="ctrTitle"/>
+          </p:nvPr>
+        </p:nvSpPr>
+        <p:spPr/>
+        <p:txBody>
+          <a:bodyPr/>
+          <a:lstStyle/>
+          <a:p>
+            <a:r>
+              <a:rPr lang="sv-SE" b="1" dirty="0" smtClean="0"/>
+              <a:t>Pedagogiken</a:t>
+            </a:r>
+            <a:endParaRPr lang="sv-SE" b="1" dirty="0"/>
+          </a:p>
+        </p:txBody>
+      </p:sp>
+      <p:pic>
+        <p:nvPicPr>
+          <p:cNvPr id="4" name="Picture 2"/>
+          <p:cNvPicPr>
+            <a:picLocks noChangeAspect="1" noChangeArrowheads="1"/>
+          </p:cNvPicPr>
+          <p:nvPr/>
+        </p:nvPicPr>
+        <p:blipFill>
+          <a:blip r:embed="rId2">
+            <a:extLst>
+              <a:ext uri="{28A0092B-C50C-407E-A947-70E740481C1C}">
+                <a14:useLocalDpi xmlns:a14="http://schemas.microsoft.com/office/drawing/2010/main" val="0"/>
+              </a:ext>
+            </a:extLst>
+          </a:blip>
+          <a:srcRect/>
+          <a:stretch>
+            <a:fillRect/>
+          </a:stretch>
+        </p:blipFill>
+        <p:spPr bwMode="auto">
+          <a:xfrm>
+            <a:off x="413023" y="1526654"/>
+            <a:ext cx="2790825" cy="2266950"/>
+          </a:xfrm>
+          <a:prstGeom prst="rect">
+            <a:avLst/>
+          </a:prstGeom>
+          <a:ln>
+            <a:noFill/>
+          </a:ln>
+          <a:effectLst>
+            <a:outerShdw blurRad="190500" algn="tl" rotWithShape="0">
+              <a:srgbClr val="000000">
+                <a:alpha val="70000"/>
+              </a:srgbClr>
+            </a:outerShdw>
+          </a:effectLst>
+          <a:extLst>
+            <a:ext uri="{909E8E84-426E-40dd-AFC4-6F175D3DCCD1}">
+              <a14:hiddenFill xmlns:a14="http://schemas.microsoft.com/office/drawing/2010/main">
+                <a:solidFill>
+                  <a:schemeClr val="accent1"/>
+                </a:solidFill>
+              </a14:hiddenFill>
+            </a:ext>
+            <a:ext uri="{91240B29-F687-4f45-9708-019B960494DF}">
+              <a14:hiddenLine xmlns:a14="http://schemas.microsoft.com/office/drawing/2010/main" w="9525">
+                <a:solidFill>
+                  <a:schemeClr val="tx1"/>
+                </a:solidFill>
+                <a:miter lim="800000"/>
+                <a:headEnd/>
+                <a:tailEnd/>
+              </a14:hiddenLine>
+            </a:ext>
+          </a:extLst>
+        </p:spPr>
+      </p:pic>
+      <p:sp>
+        <p:nvSpPr>
+          <p:cNvPr id="6" name="Right Arrow 5"/>
+          <p:cNvSpPr/>
+          <p:nvPr/>
+        </p:nvSpPr>
+        <p:spPr>
+          <a:xfrm>
+            <a:off x="323528" y="2763564"/>
+            <a:ext cx="720080" cy="288032"/>
+          </a:xfrm>
+          <a:prstGeom prst="rightArrow">
+            <a:avLst/>
+          </a:prstGeom>
+          <a:ln>
+            <a:tailEnd type="arrow"/>
+          </a:ln>
+        </p:spPr>
+        <p:style>
+          <a:lnRef idx="1">
+            <a:schemeClr val="accent3"/>
+          </a:lnRef>
+          <a:fillRef idx="2">
+            <a:schemeClr val="accent3"/>
+          </a:fillRef>
+          <a:effectRef idx="1">
+            <a:schemeClr val="accent3"/>
+          </a:effectRef>
+          <a:fontRef idx="minor">
+            <a:schemeClr val="dk1"/>
+          </a:fontRef>
+        </p:style>
+        <p:txBody>
+          <a:bodyPr rtlCol="0" anchor="ctr"/>
+          <a:lstStyle/>
+          <a:p>
+            <a:pPr algn="ctr"/>
+            <a:endParaRPr lang="sv-SE"/>
+          </a:p>
+        </p:txBody>
+      </p:sp>
+      <p:sp>
+        <p:nvSpPr>
+          <p:cNvPr id="3" name="TextBox 2"/>
+          <p:cNvSpPr txBox="1"/>
+          <p:nvPr/>
+        </p:nvSpPr>
+        <p:spPr>
+          <a:xfrm>
+            <a:off x="3779912" y="1851267"/>
+            <a:ext cx="4717958" cy="2308324"/>
+          </a:xfrm>
+          <a:prstGeom prst="rect">
+            <a:avLst/>
+          </a:prstGeom>
+          <a:noFill/>
+        </p:spPr>
+        <p:txBody>
+          <a:bodyPr wrap="none" rtlCol="0">
+            <a:spAutoFit/>
+          </a:bodyPr>
+          <a:lstStyle/>
+          <a:p>
+            <a:r>
+              <a:rPr lang="sv-SE" sz="2400" dirty="0" smtClean="0">
+                <a:latin typeface="Times New Roman" pitchFamily="18" charset="0"/>
+                <a:cs typeface="Times New Roman" pitchFamily="18" charset="0"/>
+              </a:rPr>
+              <a:t>Användbarhet</a:t>
+            </a:r>
+          </a:p>
+          <a:p>
+            <a:endParaRPr lang="sv-SE" sz="2400" dirty="0">
+              <a:latin typeface="Times New Roman" pitchFamily="18" charset="0"/>
+              <a:cs typeface="Times New Roman" pitchFamily="18" charset="0"/>
+            </a:endParaRPr>
+          </a:p>
+          <a:p>
+            <a:r>
+              <a:rPr lang="sv-SE" sz="2400" dirty="0" smtClean="0">
+                <a:latin typeface="Times New Roman" pitchFamily="18" charset="0"/>
+                <a:cs typeface="Times New Roman" pitchFamily="18" charset="0"/>
+              </a:rPr>
+              <a:t>Förstår man vad sidan vill förmedla?</a:t>
+            </a:r>
+          </a:p>
+          <a:p>
+            <a:endParaRPr lang="sv-SE" sz="2400" dirty="0" smtClean="0">
+              <a:latin typeface="Times New Roman" pitchFamily="18" charset="0"/>
+              <a:cs typeface="Times New Roman" pitchFamily="18" charset="0"/>
+            </a:endParaRPr>
+          </a:p>
+          <a:p>
+            <a:r>
+              <a:rPr lang="sv-SE" sz="2400" dirty="0" smtClean="0">
+                <a:latin typeface="Times New Roman" pitchFamily="18" charset="0"/>
+                <a:cs typeface="Times New Roman" pitchFamily="18" charset="0"/>
+              </a:rPr>
+              <a:t>Är sajtens uppbyggnad logisk?</a:t>
+            </a:r>
+          </a:p>
+          <a:p>
+            <a:endParaRPr lang="sv-SE" sz="2400" dirty="0" smtClean="0">
+              <a:latin typeface="Times New Roman" pitchFamily="18" charset="0"/>
+              <a:cs typeface="Times New Roman" pitchFamily="18" charset="0"/>
+            </a:endParaRPr>
+          </a:p>
+        </p:txBody>
+      </p:sp>
+    </p:spTree>
+    <p:extLst>
+      <p:ext uri="{BB962C8B-B14F-4D97-AF65-F5344CB8AC3E}">
+        <p14:creationId xmlns:p14="http://schemas.microsoft.com/office/powerpoint/2010/main" val="2532568113"/>
+      </p:ext>
+    </p:extLst>
+  </p:cSld>
+  <p:clrMapOvr>
+    <a:masterClrMapping/>
+  </p:clrMapOvr>
+  <p:timing>
+    <p:tnLst>
+      <p:par>
+        <p:cTn xmlns:p14="http://schemas.microsoft.com/office/powerpoint/2010/main" id="1" dur="indefinite" restart="never" nodeType="tmRoot"/>
+      </p:par>
+    </p:tnLst>
+  </p:timing>
+</p:sld>
+</file>
+
 <file path=ppt/slides/slide2.xml><?xml version="1.0" encoding="utf-8"?>
 <p:sld xmlns:a="http://schemas.openxmlformats.org/drawingml/2006/main" xmlns:r="http://schemas.openxmlformats.org/officeDocument/2006/relationships" xmlns:p="http://schemas.openxmlformats.org/presentationml/2006/main">
   <p:cSld>
@@ -12072,11 +11761,7 @@
           <a:p>
             <a:r>
               <a:rPr lang="sv-SE" b="1" dirty="0" smtClean="0"/>
-              <a:t>F04 </a:t>
-            </a:r>
-            <a:r>
-              <a:rPr lang="sv-SE" b="1" dirty="0" smtClean="0"/>
-              <a:t>–Webbteknik</a:t>
+              <a:t>F04 –Webbteknik</a:t>
             </a:r>
             <a:endParaRPr lang="sv-SE" b="1" dirty="0"/>
           </a:p>
@@ -12137,13 +11822,7 @@
               <a:rPr lang="sv-SE" dirty="0" smtClean="0">
                 <a:latin typeface="Minya Nouvelle" pitchFamily="2" charset="0"/>
               </a:rPr>
-              <a:t>Port </a:t>
-            </a:r>
-            <a:r>
-              <a:rPr lang="sv-SE" dirty="0" smtClean="0">
-                <a:latin typeface="Minya Nouvelle" pitchFamily="2" charset="0"/>
-              </a:rPr>
-              <a:t>80</a:t>
+              <a:t>Port 80</a:t>
             </a:r>
           </a:p>
           <a:p>
@@ -12211,13 +11890,7 @@
               <a:rPr lang="sv-SE" dirty="0" smtClean="0">
                 <a:latin typeface="Minya Nouvelle" pitchFamily="2" charset="0"/>
               </a:rPr>
-              <a:t>Från SGML till </a:t>
-            </a:r>
-            <a:r>
-              <a:rPr lang="sv-SE" dirty="0" smtClean="0">
-                <a:latin typeface="Minya Nouvelle" pitchFamily="2" charset="0"/>
-              </a:rPr>
-              <a:t>HTML5</a:t>
+              <a:t>Från SGML till HTML5</a:t>
             </a:r>
           </a:p>
           <a:p>
@@ -12483,235 +12156,6 @@
           <a:p>
             <a:r>
               <a:rPr lang="sv-SE" b="1" dirty="0" smtClean="0"/>
-              <a:t>Pedagogiken</a:t>
-            </a:r>
-            <a:endParaRPr lang="sv-SE" b="1" dirty="0"/>
-          </a:p>
-        </p:txBody>
-      </p:sp>
-      <p:pic>
-        <p:nvPicPr>
-          <p:cNvPr id="4" name="Picture 2"/>
-          <p:cNvPicPr>
-            <a:picLocks noChangeAspect="1" noChangeArrowheads="1"/>
-          </p:cNvPicPr>
-          <p:nvPr/>
-        </p:nvPicPr>
-        <p:blipFill>
-          <a:blip r:embed="rId2">
-            <a:extLst>
-              <a:ext uri="{28A0092B-C50C-407E-A947-70E740481C1C}">
-                <a14:useLocalDpi xmlns:a14="http://schemas.microsoft.com/office/drawing/2010/main" val="0"/>
-              </a:ext>
-            </a:extLst>
-          </a:blip>
-          <a:srcRect/>
-          <a:stretch>
-            <a:fillRect/>
-          </a:stretch>
-        </p:blipFill>
-        <p:spPr bwMode="auto">
-          <a:xfrm>
-            <a:off x="413023" y="1526654"/>
-            <a:ext cx="2790825" cy="2266950"/>
-          </a:xfrm>
-          <a:prstGeom prst="rect">
-            <a:avLst/>
-          </a:prstGeom>
-          <a:ln>
-            <a:noFill/>
-          </a:ln>
-          <a:effectLst>
-            <a:outerShdw blurRad="190500" algn="tl" rotWithShape="0">
-              <a:srgbClr val="000000">
-                <a:alpha val="70000"/>
-              </a:srgbClr>
-            </a:outerShdw>
-          </a:effectLst>
-          <a:extLst>
-            <a:ext uri="{909E8E84-426E-40dd-AFC4-6F175D3DCCD1}">
-              <a14:hiddenFill xmlns:a14="http://schemas.microsoft.com/office/drawing/2010/main">
-                <a:solidFill>
-                  <a:schemeClr val="accent1"/>
-                </a:solidFill>
-              </a14:hiddenFill>
-            </a:ext>
-            <a:ext uri="{91240B29-F687-4f45-9708-019B960494DF}">
-              <a14:hiddenLine xmlns:a14="http://schemas.microsoft.com/office/drawing/2010/main" w="9525">
-                <a:solidFill>
-                  <a:schemeClr val="tx1"/>
-                </a:solidFill>
-                <a:miter lim="800000"/>
-                <a:headEnd/>
-                <a:tailEnd/>
-              </a14:hiddenLine>
-            </a:ext>
-          </a:extLst>
-        </p:spPr>
-      </p:pic>
-      <p:sp>
-        <p:nvSpPr>
-          <p:cNvPr id="6" name="Right Arrow 5"/>
-          <p:cNvSpPr/>
-          <p:nvPr/>
-        </p:nvSpPr>
-        <p:spPr>
-          <a:xfrm>
-            <a:off x="323528" y="2763564"/>
-            <a:ext cx="720080" cy="288032"/>
-          </a:xfrm>
-          <a:prstGeom prst="rightArrow">
-            <a:avLst/>
-          </a:prstGeom>
-          <a:ln>
-            <a:tailEnd type="arrow"/>
-          </a:ln>
-        </p:spPr>
-        <p:style>
-          <a:lnRef idx="1">
-            <a:schemeClr val="accent3"/>
-          </a:lnRef>
-          <a:fillRef idx="2">
-            <a:schemeClr val="accent3"/>
-          </a:fillRef>
-          <a:effectRef idx="1">
-            <a:schemeClr val="accent3"/>
-          </a:effectRef>
-          <a:fontRef idx="minor">
-            <a:schemeClr val="dk1"/>
-          </a:fontRef>
-        </p:style>
-        <p:txBody>
-          <a:bodyPr rtlCol="0" anchor="ctr"/>
-          <a:lstStyle/>
-          <a:p>
-            <a:pPr algn="ctr"/>
-            <a:endParaRPr lang="sv-SE"/>
-          </a:p>
-        </p:txBody>
-      </p:sp>
-      <p:sp>
-        <p:nvSpPr>
-          <p:cNvPr id="3" name="TextBox 2"/>
-          <p:cNvSpPr txBox="1"/>
-          <p:nvPr/>
-        </p:nvSpPr>
-        <p:spPr>
-          <a:xfrm>
-            <a:off x="3779912" y="1851267"/>
-            <a:ext cx="4717958" cy="2308324"/>
-          </a:xfrm>
-          <a:prstGeom prst="rect">
-            <a:avLst/>
-          </a:prstGeom>
-          <a:noFill/>
-        </p:spPr>
-        <p:txBody>
-          <a:bodyPr wrap="none" rtlCol="0">
-            <a:spAutoFit/>
-          </a:bodyPr>
-          <a:lstStyle/>
-          <a:p>
-            <a:r>
-              <a:rPr lang="sv-SE" sz="2400" dirty="0" smtClean="0">
-                <a:latin typeface="Times New Roman" pitchFamily="18" charset="0"/>
-                <a:cs typeface="Times New Roman" pitchFamily="18" charset="0"/>
-              </a:rPr>
-              <a:t>Användbarhet</a:t>
-            </a:r>
-          </a:p>
-          <a:p>
-            <a:endParaRPr lang="sv-SE" sz="2400" dirty="0">
-              <a:latin typeface="Times New Roman" pitchFamily="18" charset="0"/>
-              <a:cs typeface="Times New Roman" pitchFamily="18" charset="0"/>
-            </a:endParaRPr>
-          </a:p>
-          <a:p>
-            <a:r>
-              <a:rPr lang="sv-SE" sz="2400" dirty="0" smtClean="0">
-                <a:latin typeface="Times New Roman" pitchFamily="18" charset="0"/>
-                <a:cs typeface="Times New Roman" pitchFamily="18" charset="0"/>
-              </a:rPr>
-              <a:t>Förstår man vad sidan vill förmedla?</a:t>
-            </a:r>
-          </a:p>
-          <a:p>
-            <a:endParaRPr lang="sv-SE" sz="2400" dirty="0" smtClean="0">
-              <a:latin typeface="Times New Roman" pitchFamily="18" charset="0"/>
-              <a:cs typeface="Times New Roman" pitchFamily="18" charset="0"/>
-            </a:endParaRPr>
-          </a:p>
-          <a:p>
-            <a:r>
-              <a:rPr lang="sv-SE" sz="2400" dirty="0" smtClean="0">
-                <a:latin typeface="Times New Roman" pitchFamily="18" charset="0"/>
-                <a:cs typeface="Times New Roman" pitchFamily="18" charset="0"/>
-              </a:rPr>
-              <a:t>Är sajtens uppbyggnad logisk?</a:t>
-            </a:r>
-          </a:p>
-          <a:p>
-            <a:endParaRPr lang="sv-SE" sz="2400" dirty="0" smtClean="0">
-              <a:latin typeface="Times New Roman" pitchFamily="18" charset="0"/>
-              <a:cs typeface="Times New Roman" pitchFamily="18" charset="0"/>
-            </a:endParaRPr>
-          </a:p>
-        </p:txBody>
-      </p:sp>
-    </p:spTree>
-    <p:extLst>
-      <p:ext uri="{BB962C8B-B14F-4D97-AF65-F5344CB8AC3E}">
-        <p14:creationId xmlns:p14="http://schemas.microsoft.com/office/powerpoint/2010/main" val="2532568113"/>
-      </p:ext>
-    </p:extLst>
-  </p:cSld>
-  <p:clrMapOvr>
-    <a:masterClrMapping/>
-  </p:clrMapOvr>
-  <p:timing>
-    <p:tnLst>
-      <p:par>
-        <p:cTn xmlns:p14="http://schemas.microsoft.com/office/powerpoint/2010/main" id="1" dur="indefinite" restart="never" nodeType="tmRoot"/>
-      </p:par>
-    </p:tnLst>
-  </p:timing>
-</p:sld>
-</file>
-
-<file path=ppt/slides/slide21.xml><?xml version="1.0" encoding="utf-8"?>
-<p:sld xmlns:a="http://schemas.openxmlformats.org/drawingml/2006/main" xmlns:r="http://schemas.openxmlformats.org/officeDocument/2006/relationships" xmlns:p="http://schemas.openxmlformats.org/presentationml/2006/main">
-  <p:cSld>
-    <p:spTree>
-      <p:nvGrpSpPr>
-        <p:cNvPr id="1" name=""/>
-        <p:cNvGrpSpPr/>
-        <p:nvPr/>
-      </p:nvGrpSpPr>
-      <p:grpSpPr>
-        <a:xfrm>
-          <a:off x="0" y="0"/>
-          <a:ext cx="0" cy="0"/>
-          <a:chOff x="0" y="0"/>
-          <a:chExt cx="0" cy="0"/>
-        </a:xfrm>
-      </p:grpSpPr>
-      <p:sp>
-        <p:nvSpPr>
-          <p:cNvPr id="2" name="Title 1"/>
-          <p:cNvSpPr>
-            <a:spLocks noGrp="1"/>
-          </p:cNvSpPr>
-          <p:nvPr>
-            <p:ph type="ctrTitle"/>
-          </p:nvPr>
-        </p:nvSpPr>
-        <p:spPr/>
-        <p:txBody>
-          <a:bodyPr/>
-          <a:lstStyle/>
-          <a:p>
-            <a:r>
-              <a:rPr lang="sv-SE" b="1" dirty="0" smtClean="0"/>
               <a:t>Språklagen</a:t>
             </a:r>
             <a:endParaRPr lang="sv-SE" b="1" dirty="0"/>
@@ -13002,7 +12446,7 @@
 </p:sld>
 </file>
 
-<file path=ppt/slides/slide22.xml><?xml version="1.0" encoding="utf-8"?>
+<file path=ppt/slides/slide21.xml><?xml version="1.0" encoding="utf-8"?>
 <p:sld xmlns:a="http://schemas.openxmlformats.org/drawingml/2006/main" xmlns:r="http://schemas.openxmlformats.org/officeDocument/2006/relationships" xmlns:p="http://schemas.openxmlformats.org/presentationml/2006/main">
   <p:cSld>
     <p:spTree>
@@ -13186,7 +12630,7 @@
 </p:sld>
 </file>
 
-<file path=ppt/slides/slide23.xml><?xml version="1.0" encoding="utf-8"?>
+<file path=ppt/slides/slide22.xml><?xml version="1.0" encoding="utf-8"?>
 <p:sld xmlns:a="http://schemas.openxmlformats.org/drawingml/2006/main" xmlns:r="http://schemas.openxmlformats.org/officeDocument/2006/relationships" xmlns:p="http://schemas.openxmlformats.org/presentationml/2006/main">
   <p:cSld>
     <p:spTree>
@@ -13473,7 +12917,7 @@
 </p:sld>
 </file>
 
-<file path=ppt/slides/slide24.xml><?xml version="1.0" encoding="utf-8"?>
+<file path=ppt/slides/slide23.xml><?xml version="1.0" encoding="utf-8"?>
 <p:sld xmlns:a="http://schemas.openxmlformats.org/drawingml/2006/main" xmlns:r="http://schemas.openxmlformats.org/officeDocument/2006/relationships" xmlns:p="http://schemas.openxmlformats.org/presentationml/2006/main">
   <p:cSld>
     <p:spTree>
@@ -13640,7 +13084,7 @@
 </p:sld>
 </file>
 
-<file path=ppt/slides/slide25.xml><?xml version="1.0" encoding="utf-8"?>
+<file path=ppt/slides/slide24.xml><?xml version="1.0" encoding="utf-8"?>
 <p:sld xmlns:a="http://schemas.openxmlformats.org/drawingml/2006/main" xmlns:r="http://schemas.openxmlformats.org/officeDocument/2006/relationships" xmlns:p="http://schemas.openxmlformats.org/presentationml/2006/main">
   <p:cSld>
     <p:spTree>
@@ -13972,7 +13416,7 @@
 </p:sld>
 </file>
 
-<file path=ppt/slides/slide26.xml><?xml version="1.0" encoding="utf-8"?>
+<file path=ppt/slides/slide25.xml><?xml version="1.0" encoding="utf-8"?>
 <p:sld xmlns:a="http://schemas.openxmlformats.org/drawingml/2006/main" xmlns:r="http://schemas.openxmlformats.org/officeDocument/2006/relationships" xmlns:p="http://schemas.openxmlformats.org/presentationml/2006/main">
   <p:cSld>
     <p:spTree>
@@ -14310,7 +13754,7 @@
 </p:sld>
 </file>
 
-<file path=ppt/slides/slide27.xml><?xml version="1.0" encoding="utf-8"?>
+<file path=ppt/slides/slide26.xml><?xml version="1.0" encoding="utf-8"?>
 <p:sld xmlns:a="http://schemas.openxmlformats.org/drawingml/2006/main" xmlns:r="http://schemas.openxmlformats.org/officeDocument/2006/relationships" xmlns:p="http://schemas.openxmlformats.org/presentationml/2006/main">
   <p:cSld>
     <p:spTree>
@@ -15072,7 +14516,7 @@
 </p:sld>
 </file>
 
-<file path=ppt/slides/slide28.xml><?xml version="1.0" encoding="utf-8"?>
+<file path=ppt/slides/slide27.xml><?xml version="1.0" encoding="utf-8"?>
 <p:sld xmlns:a="http://schemas.openxmlformats.org/drawingml/2006/main" xmlns:r="http://schemas.openxmlformats.org/officeDocument/2006/relationships" xmlns:p="http://schemas.openxmlformats.org/presentationml/2006/main">
   <p:cSld>
     <p:spTree>
@@ -15408,6 +14852,305 @@
 </p:sld>
 </file>
 
+<file path=ppt/slides/slide28.xml><?xml version="1.0" encoding="utf-8"?>
+<p:sld xmlns:a="http://schemas.openxmlformats.org/drawingml/2006/main" xmlns:r="http://schemas.openxmlformats.org/officeDocument/2006/relationships" xmlns:p="http://schemas.openxmlformats.org/presentationml/2006/main">
+  <p:cSld>
+    <p:spTree>
+      <p:nvGrpSpPr>
+        <p:cNvPr id="1" name=""/>
+        <p:cNvGrpSpPr/>
+        <p:nvPr/>
+      </p:nvGrpSpPr>
+      <p:grpSpPr>
+        <a:xfrm>
+          <a:off x="0" y="0"/>
+          <a:ext cx="0" cy="0"/>
+          <a:chOff x="0" y="0"/>
+          <a:chExt cx="0" cy="0"/>
+        </a:xfrm>
+      </p:grpSpPr>
+      <p:sp>
+        <p:nvSpPr>
+          <p:cNvPr id="2" name="Title 1"/>
+          <p:cNvSpPr>
+            <a:spLocks noGrp="1"/>
+          </p:cNvSpPr>
+          <p:nvPr>
+            <p:ph type="ctrTitle"/>
+          </p:nvPr>
+        </p:nvSpPr>
+        <p:spPr/>
+        <p:txBody>
+          <a:bodyPr/>
+          <a:lstStyle/>
+          <a:p>
+            <a:r>
+              <a:rPr lang="sv-SE" sz="2800" b="1" dirty="0" smtClean="0"/>
+              <a:t>Princip 3: Begriplig</a:t>
+            </a:r>
+            <a:endParaRPr lang="sv-SE" sz="2800" b="1" dirty="0"/>
+          </a:p>
+        </p:txBody>
+      </p:sp>
+      <p:sp>
+        <p:nvSpPr>
+          <p:cNvPr id="4" name="TextBox 3"/>
+          <p:cNvSpPr txBox="1"/>
+          <p:nvPr/>
+        </p:nvSpPr>
+        <p:spPr>
+          <a:xfrm>
+            <a:off x="609600" y="1143000"/>
+            <a:ext cx="7595028" cy="3693319"/>
+          </a:xfrm>
+          <a:prstGeom prst="rect">
+            <a:avLst/>
+          </a:prstGeom>
+          <a:noFill/>
+        </p:spPr>
+        <p:txBody>
+          <a:bodyPr wrap="none" rtlCol="0">
+            <a:spAutoFit/>
+          </a:bodyPr>
+          <a:lstStyle/>
+          <a:p>
+            <a:pPr marL="450850" indent="-450850"/>
+            <a:r>
+              <a:rPr lang="sv-SE" b="1" dirty="0" smtClean="0">
+                <a:latin typeface="Times New Roman" pitchFamily="18" charset="0"/>
+                <a:cs typeface="Times New Roman" pitchFamily="18" charset="0"/>
+              </a:rPr>
+              <a:t>3.1 ) Läsbart</a:t>
+            </a:r>
+            <a:br>
+              <a:rPr lang="sv-SE" b="1" dirty="0" smtClean="0">
+                <a:latin typeface="Times New Roman" pitchFamily="18" charset="0"/>
+                <a:cs typeface="Times New Roman" pitchFamily="18" charset="0"/>
+              </a:rPr>
+            </a:br>
+            <a:r>
+              <a:rPr lang="sv-SE" dirty="0" smtClean="0">
+                <a:latin typeface="Times New Roman" pitchFamily="18" charset="0"/>
+                <a:cs typeface="Times New Roman" pitchFamily="18" charset="0"/>
+              </a:rPr>
+              <a:t>Skriv texter så att de är läsbara och enkla att förstå.</a:t>
+            </a:r>
+            <a:br>
+              <a:rPr lang="sv-SE" dirty="0" smtClean="0">
+                <a:latin typeface="Times New Roman" pitchFamily="18" charset="0"/>
+                <a:cs typeface="Times New Roman" pitchFamily="18" charset="0"/>
+              </a:rPr>
+            </a:br>
+            <a:r>
+              <a:rPr lang="sv-SE" dirty="0" smtClean="0">
+                <a:latin typeface="Times New Roman" pitchFamily="18" charset="0"/>
+                <a:cs typeface="Times New Roman" pitchFamily="18" charset="0"/>
+              </a:rPr>
+              <a:t>Det är lätt att avgöra vilket språk som används (&lt;html </a:t>
+            </a:r>
+            <a:r>
+              <a:rPr lang="sv-SE" dirty="0" err="1" smtClean="0">
+                <a:latin typeface="Times New Roman" pitchFamily="18" charset="0"/>
+                <a:cs typeface="Times New Roman" pitchFamily="18" charset="0"/>
+              </a:rPr>
+              <a:t>lang</a:t>
+            </a:r>
+            <a:r>
+              <a:rPr lang="sv-SE" dirty="0" smtClean="0">
+                <a:latin typeface="Times New Roman" pitchFamily="18" charset="0"/>
+                <a:cs typeface="Times New Roman" pitchFamily="18" charset="0"/>
+              </a:rPr>
+              <a:t>=”</a:t>
+            </a:r>
+            <a:r>
+              <a:rPr lang="sv-SE" dirty="0" err="1" smtClean="0">
+                <a:latin typeface="Times New Roman" pitchFamily="18" charset="0"/>
+                <a:cs typeface="Times New Roman" pitchFamily="18" charset="0"/>
+              </a:rPr>
+              <a:t>sv</a:t>
+            </a:r>
+            <a:r>
+              <a:rPr lang="sv-SE" dirty="0" smtClean="0">
+                <a:latin typeface="Times New Roman" pitchFamily="18" charset="0"/>
+                <a:cs typeface="Times New Roman" pitchFamily="18" charset="0"/>
+              </a:rPr>
+              <a:t>”&gt;)</a:t>
+            </a:r>
+            <a:br>
+              <a:rPr lang="sv-SE" dirty="0" smtClean="0">
+                <a:latin typeface="Times New Roman" pitchFamily="18" charset="0"/>
+                <a:cs typeface="Times New Roman" pitchFamily="18" charset="0"/>
+              </a:rPr>
+            </a:br>
+            <a:r>
+              <a:rPr lang="sv-SE" dirty="0" smtClean="0">
+                <a:latin typeface="Times New Roman" pitchFamily="18" charset="0"/>
+                <a:cs typeface="Times New Roman" pitchFamily="18" charset="0"/>
+              </a:rPr>
+              <a:t>Delar av sidan som är på olika språk går att utläsa. (&lt;p </a:t>
+            </a:r>
+            <a:r>
+              <a:rPr lang="sv-SE" dirty="0" err="1" smtClean="0">
+                <a:latin typeface="Times New Roman" pitchFamily="18" charset="0"/>
+                <a:cs typeface="Times New Roman" pitchFamily="18" charset="0"/>
+              </a:rPr>
+              <a:t>lang</a:t>
+            </a:r>
+            <a:r>
+              <a:rPr lang="sv-SE" dirty="0" smtClean="0">
+                <a:latin typeface="Times New Roman" pitchFamily="18" charset="0"/>
+                <a:cs typeface="Times New Roman" pitchFamily="18" charset="0"/>
+              </a:rPr>
+              <a:t>=”en”&gt;)</a:t>
+            </a:r>
+          </a:p>
+          <a:p>
+            <a:endParaRPr lang="sv-SE" b="1" dirty="0" smtClean="0">
+              <a:latin typeface="Times New Roman" pitchFamily="18" charset="0"/>
+              <a:cs typeface="Times New Roman" pitchFamily="18" charset="0"/>
+            </a:endParaRPr>
+          </a:p>
+          <a:p>
+            <a:r>
+              <a:rPr lang="sv-SE" b="1" dirty="0" smtClean="0">
+                <a:latin typeface="Times New Roman" pitchFamily="18" charset="0"/>
+                <a:cs typeface="Times New Roman" pitchFamily="18" charset="0"/>
+              </a:rPr>
+              <a:t>3.2 ) Förutsägbart</a:t>
+            </a:r>
+            <a:endParaRPr lang="sv-SE" dirty="0" smtClean="0">
+              <a:latin typeface="Times New Roman" pitchFamily="18" charset="0"/>
+              <a:cs typeface="Times New Roman" pitchFamily="18" charset="0"/>
+            </a:endParaRPr>
+          </a:p>
+          <a:p>
+            <a:pPr marL="450850"/>
+            <a:r>
+              <a:rPr lang="sv-SE" dirty="0" smtClean="0">
+                <a:latin typeface="Times New Roman" pitchFamily="18" charset="0"/>
+                <a:cs typeface="Times New Roman" pitchFamily="18" charset="0"/>
+              </a:rPr>
+              <a:t>Webbsidor uppför sig på, för användaren, förväntat sätt.</a:t>
+            </a:r>
+            <a:br>
+              <a:rPr lang="sv-SE" dirty="0" smtClean="0">
+                <a:latin typeface="Times New Roman" pitchFamily="18" charset="0"/>
+                <a:cs typeface="Times New Roman" pitchFamily="18" charset="0"/>
+              </a:rPr>
+            </a:br>
+            <a:r>
+              <a:rPr lang="sv-SE" dirty="0" smtClean="0">
+                <a:latin typeface="Times New Roman" pitchFamily="18" charset="0"/>
+                <a:cs typeface="Times New Roman" pitchFamily="18" charset="0"/>
+              </a:rPr>
+              <a:t>Konsistent navigation.</a:t>
+            </a:r>
+          </a:p>
+          <a:p>
+            <a:endParaRPr lang="sv-SE" b="1" dirty="0" smtClean="0">
+              <a:latin typeface="Times New Roman" pitchFamily="18" charset="0"/>
+              <a:cs typeface="Times New Roman" pitchFamily="18" charset="0"/>
+            </a:endParaRPr>
+          </a:p>
+          <a:p>
+            <a:r>
+              <a:rPr lang="sv-SE" b="1" dirty="0" smtClean="0">
+                <a:latin typeface="Times New Roman" pitchFamily="18" charset="0"/>
+                <a:cs typeface="Times New Roman" pitchFamily="18" charset="0"/>
+              </a:rPr>
+              <a:t>3.3 ) Inmatningshjälp</a:t>
+            </a:r>
+            <a:endParaRPr lang="sv-SE" dirty="0" smtClean="0">
+              <a:latin typeface="Times New Roman" pitchFamily="18" charset="0"/>
+              <a:cs typeface="Times New Roman" pitchFamily="18" charset="0"/>
+            </a:endParaRPr>
+          </a:p>
+          <a:p>
+            <a:pPr marL="450850"/>
+            <a:r>
+              <a:rPr lang="sv-SE" dirty="0" smtClean="0">
+                <a:latin typeface="Times New Roman" pitchFamily="18" charset="0"/>
+                <a:cs typeface="Times New Roman" pitchFamily="18" charset="0"/>
+              </a:rPr>
+              <a:t>Om användaren matar in en felaktighet så presenteras felaktigheten i text.</a:t>
+            </a:r>
+            <a:br>
+              <a:rPr lang="sv-SE" dirty="0" smtClean="0">
+                <a:latin typeface="Times New Roman" pitchFamily="18" charset="0"/>
+                <a:cs typeface="Times New Roman" pitchFamily="18" charset="0"/>
+              </a:rPr>
+            </a:br>
+            <a:r>
+              <a:rPr lang="sv-SE" dirty="0" err="1" smtClean="0">
+                <a:latin typeface="Times New Roman" pitchFamily="18" charset="0"/>
+                <a:cs typeface="Times New Roman" pitchFamily="18" charset="0"/>
+              </a:rPr>
+              <a:t>Labels</a:t>
+            </a:r>
+            <a:r>
+              <a:rPr lang="sv-SE" dirty="0" smtClean="0">
+                <a:latin typeface="Times New Roman" pitchFamily="18" charset="0"/>
+                <a:cs typeface="Times New Roman" pitchFamily="18" charset="0"/>
+              </a:rPr>
+              <a:t> används vid formulärkontroller.</a:t>
+            </a:r>
+          </a:p>
+          <a:p>
+            <a:endParaRPr lang="sv-SE" dirty="0">
+              <a:latin typeface="Times New Roman" pitchFamily="18" charset="0"/>
+              <a:cs typeface="Times New Roman" pitchFamily="18" charset="0"/>
+            </a:endParaRPr>
+          </a:p>
+        </p:txBody>
+      </p:sp>
+      <p:sp>
+        <p:nvSpPr>
+          <p:cNvPr id="5" name="Rectangle 4"/>
+          <p:cNvSpPr/>
+          <p:nvPr/>
+        </p:nvSpPr>
+        <p:spPr>
+          <a:xfrm>
+            <a:off x="6026928" y="663136"/>
+            <a:ext cx="3117072" cy="369332"/>
+          </a:xfrm>
+          <a:prstGeom prst="rect">
+            <a:avLst/>
+          </a:prstGeom>
+        </p:spPr>
+        <p:txBody>
+          <a:bodyPr wrap="none">
+            <a:spAutoFit/>
+          </a:bodyPr>
+          <a:lstStyle/>
+          <a:p>
+            <a:r>
+              <a:rPr lang="sv-SE" i="1" dirty="0"/>
+              <a:t>http://www.w3.org/TR/WCAG/</a:t>
+            </a:r>
+          </a:p>
+        </p:txBody>
+      </p:sp>
+    </p:spTree>
+    <p:extLst>
+      <p:ext uri="{BB962C8B-B14F-4D97-AF65-F5344CB8AC3E}">
+        <p14:creationId xmlns:p14="http://schemas.microsoft.com/office/powerpoint/2010/main" val="2567260818"/>
+      </p:ext>
+    </p:extLst>
+  </p:cSld>
+  <p:clrMapOvr>
+    <a:masterClrMapping/>
+  </p:clrMapOvr>
+  <p:timing>
+    <p:tnLst>
+      <p:par>
+        <p:cTn xmlns:p14="http://schemas.microsoft.com/office/powerpoint/2010/main" id="1" dur="indefinite" restart="never" nodeType="tmRoot"/>
+      </p:par>
+    </p:tnLst>
+  </p:timing>
+</p:sld>
+</file>
+
 <file path=ppt/slides/slide29.xml><?xml version="1.0" encoding="utf-8"?>
 <p:sld xmlns:a="http://schemas.openxmlformats.org/drawingml/2006/main" xmlns:r="http://schemas.openxmlformats.org/officeDocument/2006/relationships" xmlns:p="http://schemas.openxmlformats.org/presentationml/2006/main">
   <p:cSld>
@@ -15441,10 +15184,10 @@
           <a:lstStyle/>
           <a:p>
             <a:r>
-              <a:rPr lang="sv-SE" sz="2800" b="1" dirty="0" smtClean="0"/>
-              <a:t>Princip 3: Begriplig</a:t>
-            </a:r>
-            <a:endParaRPr lang="sv-SE" sz="2800" b="1" dirty="0"/>
+              <a:rPr lang="sv-SE" sz="3200" b="1" dirty="0" smtClean="0"/>
+              <a:t>Princip 4: Robust</a:t>
+            </a:r>
+            <a:endParaRPr lang="sv-SE" sz="3200" b="1" dirty="0"/>
           </a:p>
         </p:txBody>
       </p:sp>
@@ -15456,8 +15199,8 @@
         </p:nvSpPr>
         <p:spPr>
           <a:xfrm>
-            <a:off x="609600" y="1143000"/>
-            <a:ext cx="7595028" cy="3693319"/>
+            <a:off x="609601" y="1143000"/>
+            <a:ext cx="7778823" cy="1477328"/>
           </a:xfrm>
           <a:prstGeom prst="rect">
             <a:avLst/>
@@ -15465,7 +15208,7 @@
           <a:noFill/>
         </p:spPr>
         <p:txBody>
-          <a:bodyPr wrap="none" rtlCol="0">
+          <a:bodyPr wrap="square" rtlCol="0">
             <a:spAutoFit/>
           </a:bodyPr>
           <a:lstStyle/>
@@ -15476,7 +15219,7 @@
                 <a:latin typeface="Times New Roman" pitchFamily="18" charset="0"/>
                 <a:cs typeface="Times New Roman" pitchFamily="18" charset="0"/>
               </a:rPr>
-              <a:t>3.1 ) Läsbart</a:t>
+              <a:t>4.1 ) Kompabilitet</a:t>
             </a:r>
             <a:br>
               <a:rPr lang="sv-SE" b="1" dirty="0" smtClean="0">
@@ -15489,7 +15232,7 @@
                 <a:latin typeface="Times New Roman" pitchFamily="18" charset="0"/>
                 <a:cs typeface="Times New Roman" pitchFamily="18" charset="0"/>
               </a:rPr>
-              <a:t>Skriv texter så att de är läsbara och enkla att förstå.</a:t>
+              <a:t>Maximera kompabiliteten med dagens och framtidens webbtolkar inklusive hjälpmedel. (Röstuppläsare etc.)</a:t>
             </a:r>
             <a:br>
               <a:rPr lang="sv-SE" dirty="0" smtClean="0">
@@ -15502,157 +15245,11 @@
                 <a:latin typeface="Times New Roman" pitchFamily="18" charset="0"/>
                 <a:cs typeface="Times New Roman" pitchFamily="18" charset="0"/>
               </a:rPr>
-              <a:t>Det är lätt att avgöra vilket språk som används (&lt;html </a:t>
-            </a:r>
-            <a:r>
-              <a:rPr lang="sv-SE" dirty="0" err="1" smtClean="0">
-                <a:latin typeface="Times New Roman" pitchFamily="18" charset="0"/>
-                <a:cs typeface="Times New Roman" pitchFamily="18" charset="0"/>
-              </a:rPr>
-              <a:t>lang</a:t>
-            </a:r>
-            <a:r>
-              <a:rPr lang="sv-SE" dirty="0" smtClean="0">
-                <a:latin typeface="Times New Roman" pitchFamily="18" charset="0"/>
-                <a:cs typeface="Times New Roman" pitchFamily="18" charset="0"/>
-              </a:rPr>
-              <a:t>=”</a:t>
-            </a:r>
-            <a:r>
-              <a:rPr lang="sv-SE" dirty="0" err="1" smtClean="0">
-                <a:latin typeface="Times New Roman" pitchFamily="18" charset="0"/>
-                <a:cs typeface="Times New Roman" pitchFamily="18" charset="0"/>
-              </a:rPr>
-              <a:t>sv</a:t>
-            </a:r>
-            <a:r>
-              <a:rPr lang="sv-SE" dirty="0" smtClean="0">
-                <a:latin typeface="Times New Roman" pitchFamily="18" charset="0"/>
-                <a:cs typeface="Times New Roman" pitchFamily="18" charset="0"/>
-              </a:rPr>
-              <a:t>”&gt;)</a:t>
-            </a:r>
-            <a:br>
-              <a:rPr lang="sv-SE" dirty="0" smtClean="0">
-                <a:latin typeface="Times New Roman" pitchFamily="18" charset="0"/>
-                <a:cs typeface="Times New Roman" pitchFamily="18" charset="0"/>
-              </a:rPr>
-            </a:br>
-            <a:r>
-              <a:rPr lang="sv-SE" dirty="0" smtClean="0">
-                <a:latin typeface="Times New Roman" pitchFamily="18" charset="0"/>
-                <a:cs typeface="Times New Roman" pitchFamily="18" charset="0"/>
-              </a:rPr>
-              <a:t>Delar av sidan som är på olika språk går att utläsa. (&lt;p </a:t>
-            </a:r>
-            <a:r>
-              <a:rPr lang="sv-SE" dirty="0" err="1" smtClean="0">
-                <a:latin typeface="Times New Roman" pitchFamily="18" charset="0"/>
-                <a:cs typeface="Times New Roman" pitchFamily="18" charset="0"/>
-              </a:rPr>
-              <a:t>lang</a:t>
-            </a:r>
-            <a:r>
-              <a:rPr lang="sv-SE" dirty="0" smtClean="0">
-                <a:latin typeface="Times New Roman" pitchFamily="18" charset="0"/>
-                <a:cs typeface="Times New Roman" pitchFamily="18" charset="0"/>
-              </a:rPr>
-              <a:t>=”en”&gt;)</a:t>
+              <a:t>Korrekt skriven kod.</a:t>
             </a:r>
           </a:p>
           <a:p>
             <a:endParaRPr lang="sv-SE" b="1" dirty="0" smtClean="0">
-              <a:latin typeface="Times New Roman" pitchFamily="18" charset="0"/>
-              <a:cs typeface="Times New Roman" pitchFamily="18" charset="0"/>
-            </a:endParaRPr>
-          </a:p>
-          <a:p>
-            <a:r>
-              <a:rPr lang="sv-SE" b="1" dirty="0" smtClean="0">
-                <a:latin typeface="Times New Roman" pitchFamily="18" charset="0"/>
-                <a:cs typeface="Times New Roman" pitchFamily="18" charset="0"/>
-              </a:rPr>
-              <a:t>3.2 ) Förutsägbart</a:t>
-            </a:r>
-            <a:endParaRPr lang="sv-SE" dirty="0" smtClean="0">
-              <a:latin typeface="Times New Roman" pitchFamily="18" charset="0"/>
-              <a:cs typeface="Times New Roman" pitchFamily="18" charset="0"/>
-            </a:endParaRPr>
-          </a:p>
-          <a:p>
-            <a:pPr marL="450850"/>
-            <a:r>
-              <a:rPr lang="sv-SE" dirty="0" smtClean="0">
-                <a:latin typeface="Times New Roman" pitchFamily="18" charset="0"/>
-                <a:cs typeface="Times New Roman" pitchFamily="18" charset="0"/>
-              </a:rPr>
-              <a:t>Webbsidor uppför sig på, för användaren, förväntat sätt.</a:t>
-            </a:r>
-            <a:br>
-              <a:rPr lang="sv-SE" dirty="0" smtClean="0">
-                <a:latin typeface="Times New Roman" pitchFamily="18" charset="0"/>
-                <a:cs typeface="Times New Roman" pitchFamily="18" charset="0"/>
-              </a:rPr>
-            </a:br>
-            <a:r>
-              <a:rPr lang="sv-SE" dirty="0" smtClean="0">
-                <a:latin typeface="Times New Roman" pitchFamily="18" charset="0"/>
-                <a:cs typeface="Times New Roman" pitchFamily="18" charset="0"/>
-              </a:rPr>
-              <a:t>Konsistent navigation.</a:t>
-            </a:r>
-          </a:p>
-          <a:p>
-            <a:endParaRPr lang="sv-SE" b="1" dirty="0" smtClean="0">
-              <a:latin typeface="Times New Roman" pitchFamily="18" charset="0"/>
-              <a:cs typeface="Times New Roman" pitchFamily="18" charset="0"/>
-            </a:endParaRPr>
-          </a:p>
-          <a:p>
-            <a:r>
-              <a:rPr lang="sv-SE" b="1" dirty="0" smtClean="0">
-                <a:latin typeface="Times New Roman" pitchFamily="18" charset="0"/>
-                <a:cs typeface="Times New Roman" pitchFamily="18" charset="0"/>
-              </a:rPr>
-              <a:t>3.3 ) Inmatningshjälp</a:t>
-            </a:r>
-            <a:endParaRPr lang="sv-SE" dirty="0" smtClean="0">
-              <a:latin typeface="Times New Roman" pitchFamily="18" charset="0"/>
-              <a:cs typeface="Times New Roman" pitchFamily="18" charset="0"/>
-            </a:endParaRPr>
-          </a:p>
-          <a:p>
-            <a:pPr marL="450850"/>
-            <a:r>
-              <a:rPr lang="sv-SE" dirty="0" smtClean="0">
-                <a:latin typeface="Times New Roman" pitchFamily="18" charset="0"/>
-                <a:cs typeface="Times New Roman" pitchFamily="18" charset="0"/>
-              </a:rPr>
-              <a:t>Om användaren matar in en felaktighet så presenteras felaktigheten i text.</a:t>
-            </a:r>
-            <a:br>
-              <a:rPr lang="sv-SE" dirty="0" smtClean="0">
-                <a:latin typeface="Times New Roman" pitchFamily="18" charset="0"/>
-                <a:cs typeface="Times New Roman" pitchFamily="18" charset="0"/>
-              </a:rPr>
-            </a:br>
-            <a:r>
-              <a:rPr lang="sv-SE" dirty="0" err="1" smtClean="0">
-                <a:latin typeface="Times New Roman" pitchFamily="18" charset="0"/>
-                <a:cs typeface="Times New Roman" pitchFamily="18" charset="0"/>
-              </a:rPr>
-              <a:t>Labels</a:t>
-            </a:r>
-            <a:r>
-              <a:rPr lang="sv-SE" dirty="0" smtClean="0">
-                <a:latin typeface="Times New Roman" pitchFamily="18" charset="0"/>
-                <a:cs typeface="Times New Roman" pitchFamily="18" charset="0"/>
-              </a:rPr>
-              <a:t> används vid formulärkontroller.</a:t>
-            </a:r>
-          </a:p>
-          <a:p>
-            <a:endParaRPr lang="sv-SE" dirty="0">
               <a:latin typeface="Times New Roman" pitchFamily="18" charset="0"/>
               <a:cs typeface="Times New Roman" pitchFamily="18" charset="0"/>
             </a:endParaRPr>
@@ -15690,7 +15287,7 @@
     </p:spTree>
     <p:extLst>
       <p:ext uri="{BB962C8B-B14F-4D97-AF65-F5344CB8AC3E}">
-        <p14:creationId xmlns:p14="http://schemas.microsoft.com/office/powerpoint/2010/main" val="2567260818"/>
+        <p14:creationId xmlns:p14="http://schemas.microsoft.com/office/powerpoint/2010/main" val="2885701535"/>
       </p:ext>
     </p:extLst>
   </p:cSld>
@@ -16210,159 +15807,6 @@
           <a:lstStyle/>
           <a:p>
             <a:r>
-              <a:rPr lang="sv-SE" sz="3200" b="1" dirty="0" smtClean="0"/>
-              <a:t>Princip 4: Robust</a:t>
-            </a:r>
-            <a:endParaRPr lang="sv-SE" sz="3200" b="1" dirty="0"/>
-          </a:p>
-        </p:txBody>
-      </p:sp>
-      <p:sp>
-        <p:nvSpPr>
-          <p:cNvPr id="4" name="TextBox 3"/>
-          <p:cNvSpPr txBox="1"/>
-          <p:nvPr/>
-        </p:nvSpPr>
-        <p:spPr>
-          <a:xfrm>
-            <a:off x="609601" y="1143000"/>
-            <a:ext cx="7778823" cy="1477328"/>
-          </a:xfrm>
-          <a:prstGeom prst="rect">
-            <a:avLst/>
-          </a:prstGeom>
-          <a:noFill/>
-        </p:spPr>
-        <p:txBody>
-          <a:bodyPr wrap="square" rtlCol="0">
-            <a:spAutoFit/>
-          </a:bodyPr>
-          <a:lstStyle/>
-          <a:p>
-            <a:pPr marL="450850" indent="-450850"/>
-            <a:r>
-              <a:rPr lang="sv-SE" b="1" dirty="0" smtClean="0">
-                <a:latin typeface="Times New Roman" pitchFamily="18" charset="0"/>
-                <a:cs typeface="Times New Roman" pitchFamily="18" charset="0"/>
-              </a:rPr>
-              <a:t>4.1 ) Kompabilitet</a:t>
-            </a:r>
-            <a:br>
-              <a:rPr lang="sv-SE" b="1" dirty="0" smtClean="0">
-                <a:latin typeface="Times New Roman" pitchFamily="18" charset="0"/>
-                <a:cs typeface="Times New Roman" pitchFamily="18" charset="0"/>
-              </a:rPr>
-            </a:br>
-            <a:r>
-              <a:rPr lang="sv-SE" dirty="0" smtClean="0">
-                <a:latin typeface="Times New Roman" pitchFamily="18" charset="0"/>
-                <a:cs typeface="Times New Roman" pitchFamily="18" charset="0"/>
-              </a:rPr>
-              <a:t>Maximera kompabiliteten med dagens och framtidens webbtolkar inklusive hjälpmedel. (Röstuppläsare etc.)</a:t>
-            </a:r>
-            <a:br>
-              <a:rPr lang="sv-SE" dirty="0" smtClean="0">
-                <a:latin typeface="Times New Roman" pitchFamily="18" charset="0"/>
-                <a:cs typeface="Times New Roman" pitchFamily="18" charset="0"/>
-              </a:rPr>
-            </a:br>
-            <a:r>
-              <a:rPr lang="sv-SE" dirty="0" smtClean="0">
-                <a:latin typeface="Times New Roman" pitchFamily="18" charset="0"/>
-                <a:cs typeface="Times New Roman" pitchFamily="18" charset="0"/>
-              </a:rPr>
-              <a:t>Korrekt skriven kod.</a:t>
-            </a:r>
-          </a:p>
-          <a:p>
-            <a:endParaRPr lang="sv-SE" b="1" dirty="0" smtClean="0">
-              <a:latin typeface="Times New Roman" pitchFamily="18" charset="0"/>
-              <a:cs typeface="Times New Roman" pitchFamily="18" charset="0"/>
-            </a:endParaRPr>
-          </a:p>
-        </p:txBody>
-      </p:sp>
-      <p:sp>
-        <p:nvSpPr>
-          <p:cNvPr id="5" name="Rectangle 4"/>
-          <p:cNvSpPr/>
-          <p:nvPr/>
-        </p:nvSpPr>
-        <p:spPr>
-          <a:xfrm>
-            <a:off x="6026928" y="663136"/>
-            <a:ext cx="3117072" cy="369332"/>
-          </a:xfrm>
-          <a:prstGeom prst="rect">
-            <a:avLst/>
-          </a:prstGeom>
-        </p:spPr>
-        <p:txBody>
-          <a:bodyPr wrap="none">
-            <a:spAutoFit/>
-          </a:bodyPr>
-          <a:lstStyle/>
-          <a:p>
-            <a:r>
-              <a:rPr lang="sv-SE" i="1" dirty="0"/>
-              <a:t>http://www.w3.org/TR/WCAG/</a:t>
-            </a:r>
-          </a:p>
-        </p:txBody>
-      </p:sp>
-    </p:spTree>
-    <p:extLst>
-      <p:ext uri="{BB962C8B-B14F-4D97-AF65-F5344CB8AC3E}">
-        <p14:creationId xmlns:p14="http://schemas.microsoft.com/office/powerpoint/2010/main" val="2885701535"/>
-      </p:ext>
-    </p:extLst>
-  </p:cSld>
-  <p:clrMapOvr>
-    <a:masterClrMapping/>
-  </p:clrMapOvr>
-  <p:timing>
-    <p:tnLst>
-      <p:par>
-        <p:cTn xmlns:p14="http://schemas.microsoft.com/office/powerpoint/2010/main" id="1" dur="indefinite" restart="never" nodeType="tmRoot"/>
-      </p:par>
-    </p:tnLst>
-  </p:timing>
-</p:sld>
-</file>
-
-<file path=ppt/slides/slide31.xml><?xml version="1.0" encoding="utf-8"?>
-<p:sld xmlns:a="http://schemas.openxmlformats.org/drawingml/2006/main" xmlns:r="http://schemas.openxmlformats.org/officeDocument/2006/relationships" xmlns:p="http://schemas.openxmlformats.org/presentationml/2006/main">
-  <p:cSld>
-    <p:spTree>
-      <p:nvGrpSpPr>
-        <p:cNvPr id="1" name=""/>
-        <p:cNvGrpSpPr/>
-        <p:nvPr/>
-      </p:nvGrpSpPr>
-      <p:grpSpPr>
-        <a:xfrm>
-          <a:off x="0" y="0"/>
-          <a:ext cx="0" cy="0"/>
-          <a:chOff x="0" y="0"/>
-          <a:chExt cx="0" cy="0"/>
-        </a:xfrm>
-      </p:grpSpPr>
-      <p:sp>
-        <p:nvSpPr>
-          <p:cNvPr id="2" name="Title 1"/>
-          <p:cNvSpPr>
-            <a:spLocks noGrp="1"/>
-          </p:cNvSpPr>
-          <p:nvPr>
-            <p:ph type="ctrTitle"/>
-          </p:nvPr>
-        </p:nvSpPr>
-        <p:spPr/>
-        <p:txBody>
-          <a:bodyPr/>
-          <a:lstStyle/>
-          <a:p>
-            <a:r>
               <a:rPr lang="sv-SE" b="1" dirty="0" smtClean="0"/>
               <a:t>Exempel</a:t>
             </a:r>
@@ -16583,7 +16027,7 @@
 </p:sld>
 </file>
 
-<file path=ppt/slides/slide32.xml><?xml version="1.0" encoding="utf-8"?>
+<file path=ppt/slides/slide31.xml><?xml version="1.0" encoding="utf-8"?>
 <p:sld xmlns:a="http://schemas.openxmlformats.org/drawingml/2006/main" xmlns:r="http://schemas.openxmlformats.org/officeDocument/2006/relationships" xmlns:p="http://schemas.openxmlformats.org/presentationml/2006/main">
   <p:cSld>
     <p:spTree>
@@ -16934,7 +16378,7 @@
 </p:sld>
 </file>
 
-<file path=ppt/slides/slide33.xml><?xml version="1.0" encoding="utf-8"?>
+<file path=ppt/slides/slide32.xml><?xml version="1.0" encoding="utf-8"?>
 <p:sld xmlns:a="http://schemas.openxmlformats.org/drawingml/2006/main" xmlns:r="http://schemas.openxmlformats.org/officeDocument/2006/relationships" xmlns:p="http://schemas.openxmlformats.org/presentationml/2006/main">
   <p:cSld>
     <p:spTree>
@@ -17017,21 +16461,7 @@
                 <a:latin typeface="Times New Roman" pitchFamily="18" charset="0"/>
                 <a:cs typeface="Times New Roman" pitchFamily="18" charset="0"/>
               </a:rPr>
-              <a:t> toolbar </a:t>
-            </a:r>
-            <a:r>
-              <a:rPr lang="sv-SE" sz="1800" b="1" dirty="0" smtClean="0">
-                <a:latin typeface="Times New Roman" pitchFamily="18" charset="0"/>
-                <a:cs typeface="Times New Roman" pitchFamily="18" charset="0"/>
-              </a:rPr>
-              <a:t>(browser </a:t>
-            </a:r>
-            <a:r>
-              <a:rPr lang="sv-SE" sz="1800" b="1" dirty="0" smtClean="0">
-                <a:latin typeface="Times New Roman" pitchFamily="18" charset="0"/>
-                <a:cs typeface="Times New Roman" pitchFamily="18" charset="0"/>
-              </a:rPr>
-              <a:t>plugin): </a:t>
+              <a:t> toolbar (browser plugin): </a:t>
             </a:r>
             <a:br>
               <a:rPr lang="sv-SE" sz="1800" b="1" dirty="0" smtClean="0">
@@ -17556,189 +16986,6 @@
           <a:p>
             <a:r>
               <a:rPr lang="sv-SE" dirty="0" smtClean="0"/>
-              <a:t>Ansluta på annan port än 80</a:t>
-            </a:r>
-            <a:endParaRPr lang="sv-SE" dirty="0"/>
-          </a:p>
-        </p:txBody>
-      </p:sp>
-      <p:sp>
-        <p:nvSpPr>
-          <p:cNvPr id="3" name="Subtitle 2"/>
-          <p:cNvSpPr>
-            <a:spLocks noGrp="1"/>
-          </p:cNvSpPr>
-          <p:nvPr>
-            <p:ph type="subTitle" idx="1"/>
-          </p:nvPr>
-        </p:nvSpPr>
-        <p:spPr>
-          <a:xfrm>
-            <a:off x="714348" y="1309677"/>
-            <a:ext cx="6400800" cy="971759"/>
-          </a:xfrm>
-        </p:spPr>
-        <p:txBody>
-          <a:bodyPr/>
-          <a:lstStyle/>
-          <a:p>
-            <a:r>
-              <a:rPr lang="sv-SE" dirty="0" smtClean="0"/>
-              <a:t>För att ansluta till en webbserver som inte körs på port 80 skriver man:</a:t>
-            </a:r>
-          </a:p>
-          <a:p>
-            <a:endParaRPr lang="sv-SE" dirty="0"/>
-          </a:p>
-          <a:p>
-            <a:r>
-              <a:rPr lang="sv-SE" dirty="0" smtClean="0"/>
-              <a:t>http://server:</a:t>
-            </a:r>
-            <a:r>
-              <a:rPr lang="sv-SE" b="1" dirty="0" smtClean="0"/>
-              <a:t>PORTNUMMER</a:t>
-            </a:r>
-          </a:p>
-          <a:p>
-            <a:endParaRPr lang="sv-SE" dirty="0"/>
-          </a:p>
-          <a:p>
-            <a:r>
-              <a:rPr lang="sv-SE" dirty="0" smtClean="0"/>
-              <a:t>Exempelvis:</a:t>
-            </a:r>
-          </a:p>
-          <a:p>
-            <a:r>
-              <a:rPr lang="sv-SE" dirty="0" smtClean="0"/>
-              <a:t/>
-            </a:r>
-            <a:br>
-              <a:rPr lang="sv-SE" dirty="0" smtClean="0"/>
-            </a:br>
-            <a:r>
-              <a:rPr lang="sv-SE" b="1" dirty="0" smtClean="0">
-                <a:latin typeface="Courier New" pitchFamily="49" charset="0"/>
-                <a:cs typeface="Courier New" pitchFamily="49" charset="0"/>
-              </a:rPr>
-              <a:t>http://mylabserver.se:8080</a:t>
-            </a:r>
-          </a:p>
-          <a:p>
-            <a:r>
-              <a:rPr lang="sv-SE" sz="1600" dirty="0" smtClean="0"/>
-              <a:t/>
-            </a:r>
-            <a:br>
-              <a:rPr lang="sv-SE" sz="1600" dirty="0" smtClean="0"/>
-            </a:br>
-            <a:r>
-              <a:rPr lang="sv-SE" sz="1600" dirty="0" smtClean="0"/>
-              <a:t>Om portnumret utelämnas kommer anslutningen automatiskt ske mot port 80.</a:t>
-            </a:r>
-            <a:endParaRPr lang="sv-SE" sz="1600" b="1" dirty="0">
-              <a:latin typeface="Courier New" pitchFamily="49" charset="0"/>
-              <a:cs typeface="Courier New" pitchFamily="49" charset="0"/>
-            </a:endParaRPr>
-          </a:p>
-        </p:txBody>
-      </p:sp>
-      <p:pic>
-        <p:nvPicPr>
-          <p:cNvPr id="27650" name="Picture 2" descr="S:\dfm\info\icons\v-collections\v_collections_png\basic_foundation\256x256\shadow\door2_open.png"/>
-          <p:cNvPicPr>
-            <a:picLocks noChangeAspect="1" noChangeArrowheads="1"/>
-          </p:cNvPicPr>
-          <p:nvPr/>
-        </p:nvPicPr>
-        <p:blipFill>
-          <a:blip r:embed="rId2">
-            <a:extLst>
-              <a:ext uri="{28A0092B-C50C-407E-A947-70E740481C1C}">
-                <a14:useLocalDpi xmlns:a14="http://schemas.microsoft.com/office/drawing/2010/main" val="0"/>
-              </a:ext>
-            </a:extLst>
-          </a:blip>
-          <a:srcRect/>
-          <a:stretch>
-            <a:fillRect/>
-          </a:stretch>
-        </p:blipFill>
-        <p:spPr bwMode="auto">
-          <a:xfrm>
-            <a:off x="6588224" y="2065412"/>
-            <a:ext cx="2438400" cy="2438400"/>
-          </a:xfrm>
-          <a:prstGeom prst="rect">
-            <a:avLst/>
-          </a:prstGeom>
-          <a:noFill/>
-          <a:extLst>
-            <a:ext uri="{909E8E84-426E-40dd-AFC4-6F175D3DCCD1}">
-              <a14:hiddenFill xmlns:a14="http://schemas.microsoft.com/office/drawing/2010/main">
-                <a:solidFill>
-                  <a:srgbClr val="FFFFFF"/>
-                </a:solidFill>
-              </a14:hiddenFill>
-            </a:ext>
-          </a:extLst>
-        </p:spPr>
-      </p:pic>
-    </p:spTree>
-    <p:extLst>
-      <p:ext uri="{BB962C8B-B14F-4D97-AF65-F5344CB8AC3E}">
-        <p14:creationId xmlns:p14="http://schemas.microsoft.com/office/powerpoint/2010/main" val="1950104211"/>
-      </p:ext>
-    </p:extLst>
-  </p:cSld>
-  <p:clrMapOvr>
-    <a:masterClrMapping/>
-  </p:clrMapOvr>
-  <p:timing>
-    <p:tnLst>
-      <p:par>
-        <p:cTn xmlns:p14="http://schemas.microsoft.com/office/powerpoint/2010/main" id="1" dur="indefinite" restart="never" nodeType="tmRoot"/>
-      </p:par>
-    </p:tnLst>
-  </p:timing>
-</p:sld>
-</file>
-
-<file path=ppt/slides/slide5.xml><?xml version="1.0" encoding="utf-8"?>
-<p:sld xmlns:a="http://schemas.openxmlformats.org/drawingml/2006/main" xmlns:r="http://schemas.openxmlformats.org/officeDocument/2006/relationships" xmlns:p="http://schemas.openxmlformats.org/presentationml/2006/main">
-  <p:cSld>
-    <p:spTree>
-      <p:nvGrpSpPr>
-        <p:cNvPr id="1" name=""/>
-        <p:cNvGrpSpPr/>
-        <p:nvPr/>
-      </p:nvGrpSpPr>
-      <p:grpSpPr>
-        <a:xfrm>
-          <a:off x="0" y="0"/>
-          <a:ext cx="0" cy="0"/>
-          <a:chOff x="0" y="0"/>
-          <a:chExt cx="0" cy="0"/>
-        </a:xfrm>
-      </p:grpSpPr>
-      <p:sp>
-        <p:nvSpPr>
-          <p:cNvPr id="2" name="Title 1"/>
-          <p:cNvSpPr>
-            <a:spLocks noGrp="1"/>
-          </p:cNvSpPr>
-          <p:nvPr>
-            <p:ph type="ctrTitle"/>
-          </p:nvPr>
-        </p:nvSpPr>
-        <p:spPr/>
-        <p:txBody>
-          <a:bodyPr/>
-          <a:lstStyle/>
-          <a:p>
-            <a:r>
-              <a:rPr lang="sv-SE" dirty="0" smtClean="0"/>
               <a:t>Webbservrar</a:t>
             </a:r>
             <a:endParaRPr lang="sv-SE" dirty="0"/>
@@ -17783,17 +17030,8 @@
               <a:rPr lang="sv-SE" dirty="0" smtClean="0">
                 <a:latin typeface="Minya Nouvelle" pitchFamily="2" charset="0"/>
               </a:rPr>
-              <a:t> </a:t>
-            </a:r>
-            <a:r>
-              <a:rPr lang="sv-SE" dirty="0" smtClean="0">
-                <a:latin typeface="Minya Nouvelle" pitchFamily="2" charset="0"/>
-              </a:rPr>
-              <a:t>2013-09-24</a:t>
-            </a:r>
-            <a:endParaRPr lang="sv-SE" dirty="0" smtClean="0">
-              <a:latin typeface="Minya Nouvelle" pitchFamily="2" charset="0"/>
-            </a:endParaRPr>
+              <a:t> 2013-09-24</a:t>
+            </a:r>
           </a:p>
         </p:txBody>
       </p:sp>
@@ -17847,7 +17085,7 @@
 </p:sld>
 </file>
 
-<file path=ppt/slides/slide6.xml><?xml version="1.0" encoding="utf-8"?>
+<file path=ppt/slides/slide5.xml><?xml version="1.0" encoding="utf-8"?>
 <p:sld xmlns:a="http://schemas.openxmlformats.org/drawingml/2006/main" xmlns:r="http://schemas.openxmlformats.org/officeDocument/2006/relationships" xmlns:p="http://schemas.openxmlformats.org/presentationml/2006/main">
   <p:cSld>
     <p:spTree>
@@ -18247,21 +17485,7 @@
                 <a:latin typeface="Minya Nouvelle" charset="0"/>
                 <a:cs typeface="Courier New" pitchFamily="49" charset="0"/>
               </a:rPr>
-              <a:t>2000/2003/</a:t>
-            </a:r>
-            <a:r>
-              <a:rPr lang="sv-SE" dirty="0" smtClean="0">
-                <a:latin typeface="Minya Nouvelle" charset="0"/>
-                <a:cs typeface="Courier New" pitchFamily="49" charset="0"/>
-              </a:rPr>
-              <a:t>2008/2012 </a:t>
-            </a:r>
-            <a:r>
-              <a:rPr lang="sv-SE" dirty="0" smtClean="0">
-                <a:latin typeface="Minya Nouvelle" charset="0"/>
-                <a:cs typeface="Courier New" pitchFamily="49" charset="0"/>
-              </a:rPr>
-              <a:t>server </a:t>
+              <a:t>2000/2003/2008/2012 server </a:t>
             </a:r>
           </a:p>
           <a:p>
@@ -18277,14 +17501,7 @@
                 <a:latin typeface="Minya Nouvelle" charset="0"/>
                 <a:cs typeface="Courier New" pitchFamily="49" charset="0"/>
               </a:rPr>
-              <a:t> Ingår i XP, Vista Pro och 7 </a:t>
-            </a:r>
-            <a:r>
-              <a:rPr lang="sv-SE" dirty="0" smtClean="0">
-                <a:latin typeface="Minya Nouvelle" charset="0"/>
-                <a:cs typeface="Courier New" pitchFamily="49" charset="0"/>
-              </a:rPr>
-              <a:t>Pro, Windows 8</a:t>
+              <a:t> Ingår i XP, Vista Pro och 7 Pro, Windows 8</a:t>
             </a:r>
             <a:endParaRPr lang="sv-SE" sz="2400" dirty="0">
               <a:latin typeface="Minya Nouvelle" charset="0"/>
@@ -18347,7 +17564,7 @@
 </p:sld>
 </file>
 
-<file path=ppt/slides/slide7.xml><?xml version="1.0" encoding="utf-8"?>
+<file path=ppt/slides/slide6.xml><?xml version="1.0" encoding="utf-8"?>
 <p:sld xmlns:a="http://schemas.openxmlformats.org/drawingml/2006/main" xmlns:r="http://schemas.openxmlformats.org/officeDocument/2006/relationships" xmlns:p="http://schemas.openxmlformats.org/presentationml/2006/main">
   <p:cSld>
     <p:spTree>
@@ -18612,7 +17829,7 @@
 </p:sld>
 </file>
 
-<file path=ppt/slides/slide8.xml><?xml version="1.0" encoding="utf-8"?>
+<file path=ppt/slides/slide7.xml><?xml version="1.0" encoding="utf-8"?>
 <p:sld xmlns:a="http://schemas.openxmlformats.org/drawingml/2006/main" xmlns:r="http://schemas.openxmlformats.org/officeDocument/2006/relationships" xmlns:p="http://schemas.openxmlformats.org/presentationml/2006/main">
   <p:cSld>
     <p:spTree>
@@ -18732,7 +17949,7 @@
 </p:sld>
 </file>
 
-<file path=ppt/slides/slide9.xml><?xml version="1.0" encoding="utf-8"?>
+<file path=ppt/slides/slide8.xml><?xml version="1.0" encoding="utf-8"?>
 <p:sld xmlns:a="http://schemas.openxmlformats.org/drawingml/2006/main" xmlns:r="http://schemas.openxmlformats.org/officeDocument/2006/relationships" xmlns:p="http://schemas.openxmlformats.org/presentationml/2006/main">
   <p:cSld>
     <p:spTree>
@@ -18950,36 +18167,15 @@
               <a:rPr lang="sv-SE" dirty="0" smtClean="0">
                 <a:latin typeface="Minya Nouvelle" charset="0"/>
               </a:rPr>
-              <a:t>&lt; </a:t>
-            </a:r>
+              <a:t>&lt; 1%</a:t>
+            </a:r>
+          </a:p>
+          <a:p>
             <a:r>
               <a:rPr lang="sv-SE" dirty="0" smtClean="0">
                 <a:latin typeface="Minya Nouvelle" charset="0"/>
               </a:rPr>
-              <a:t>1%</a:t>
-            </a:r>
-            <a:endParaRPr lang="sv-SE" dirty="0" smtClean="0">
-              <a:latin typeface="Minya Nouvelle" charset="0"/>
-            </a:endParaRPr>
-          </a:p>
-          <a:p>
-            <a:r>
-              <a:rPr lang="sv-SE" dirty="0" smtClean="0">
-                <a:latin typeface="Minya Nouvelle" charset="0"/>
-              </a:rPr>
-              <a:t>IE8.0 	~ </a:t>
-            </a:r>
-            <a:r>
-              <a:rPr lang="sv-SE" dirty="0" smtClean="0">
-                <a:latin typeface="Minya Nouvelle" charset="0"/>
-              </a:rPr>
-              <a:t>9%</a:t>
-            </a:r>
-            <a:r>
-              <a:rPr lang="sv-SE" dirty="0" smtClean="0">
-                <a:latin typeface="Minya Nouvelle" charset="0"/>
-              </a:rPr>
-              <a:t/>
+              <a:t>IE8.0 	~ 9%</a:t>
             </a:r>
             <a:br>
               <a:rPr lang="sv-SE" dirty="0" smtClean="0">
@@ -18990,13 +18186,7 @@
               <a:rPr lang="sv-SE" dirty="0" smtClean="0">
                 <a:latin typeface="Minya Nouvelle" charset="0"/>
               </a:rPr>
-              <a:t>IE9.0	~ </a:t>
-            </a:r>
-            <a:r>
-              <a:rPr lang="sv-SE" dirty="0" smtClean="0">
-                <a:latin typeface="Minya Nouvelle" charset="0"/>
-              </a:rPr>
-              <a:t>13%</a:t>
+              <a:t>IE9.0	~ 13%</a:t>
             </a:r>
             <a:br>
               <a:rPr lang="sv-SE" dirty="0" smtClean="0">
@@ -19007,13 +18197,7 @@
               <a:rPr lang="sv-SE" dirty="0" smtClean="0">
                 <a:latin typeface="Minya Nouvelle" charset="0"/>
               </a:rPr>
-              <a:t>IE10.0	</a:t>
-            </a:r>
-            <a:r>
-              <a:rPr lang="sv-SE" dirty="0" smtClean="0">
-                <a:latin typeface="Minya Nouvelle" charset="0"/>
-              </a:rPr>
-              <a:t>~ 4%</a:t>
+              <a:t>IE10.0	~ 4%</a:t>
             </a:r>
             <a:endParaRPr lang="sv-SE" dirty="0">
               <a:latin typeface="Minya Nouvelle" charset="0"/>
@@ -19047,19 +18231,7 @@
               <a:rPr lang="sv-SE" b="1" dirty="0" smtClean="0">
                 <a:latin typeface="Minya Nouvelle" pitchFamily="2" charset="0"/>
               </a:rPr>
-              <a:t>Trident, </a:t>
-            </a:r>
-            <a:r>
-              <a:rPr lang="sv-SE" b="1" dirty="0" smtClean="0">
-                <a:latin typeface="Minya Nouvelle" pitchFamily="2" charset="0"/>
-              </a:rPr>
-              <a:t>~ 25</a:t>
-            </a:r>
-            <a:r>
-              <a:rPr lang="sv-SE" b="1" dirty="0" smtClean="0">
-                <a:latin typeface="Minya Nouvelle" pitchFamily="2" charset="0"/>
-              </a:rPr>
-              <a:t>%</a:t>
+              <a:t>Trident, ~ 25%</a:t>
             </a:r>
           </a:p>
         </p:txBody>
@@ -19090,17 +18262,8 @@
               <a:rPr lang="sv-SE" b="1" dirty="0" smtClean="0">
                 <a:latin typeface="Minya Nouvelle" pitchFamily="2" charset="0"/>
               </a:rPr>
-              <a:t>Gecko, </a:t>
-            </a:r>
-            <a:r>
-              <a:rPr lang="sv-SE" b="1" dirty="0" smtClean="0">
-                <a:latin typeface="Minya Nouvelle" pitchFamily="2" charset="0"/>
-              </a:rPr>
-              <a:t>~ 20%</a:t>
-            </a:r>
-            <a:endParaRPr lang="sv-SE" b="1" dirty="0" smtClean="0">
-              <a:latin typeface="Minya Nouvelle" pitchFamily="2" charset="0"/>
-            </a:endParaRPr>
+              <a:t>Gecko, ~ 20%</a:t>
+            </a:r>
           </a:p>
         </p:txBody>
       </p:sp>
@@ -19348,9 +18511,6 @@
               </a:rPr>
               <a:t>Blink, ~ 45%</a:t>
             </a:r>
-            <a:endParaRPr lang="sv-SE" b="1" dirty="0" smtClean="0">
-              <a:latin typeface="Minya Nouvelle" pitchFamily="2" charset="0"/>
-            </a:endParaRPr>
           </a:p>
         </p:txBody>
       </p:sp>
@@ -19469,23 +18629,8 @@
               <a:rPr lang="sv-SE" b="1" dirty="0" smtClean="0">
                 <a:latin typeface="Minya Nouvelle" pitchFamily="2" charset="0"/>
               </a:rPr>
-              <a:t>, </a:t>
-            </a:r>
-            <a:r>
-              <a:rPr lang="sv-SE" b="1" dirty="0" smtClean="0">
-                <a:latin typeface="Minya Nouvelle" pitchFamily="2" charset="0"/>
-              </a:rPr>
-              <a:t>~ 10</a:t>
-            </a:r>
-            <a:r>
-              <a:rPr lang="sv-SE" b="1" dirty="0" smtClean="0">
-                <a:latin typeface="Minya Nouvelle" pitchFamily="2" charset="0"/>
-              </a:rPr>
-              <a:t>%</a:t>
-            </a:r>
-            <a:endParaRPr lang="sv-SE" b="1" dirty="0" smtClean="0">
-              <a:latin typeface="Minya Nouvelle" pitchFamily="2" charset="0"/>
-            </a:endParaRPr>
+              <a:t>, ~ 10%</a:t>
+            </a:r>
           </a:p>
         </p:txBody>
       </p:sp>
@@ -19619,6 +18764,492 @@
     <p:extLst>
       <p:ext uri="{BB962C8B-B14F-4D97-AF65-F5344CB8AC3E}">
         <p14:creationId xmlns:p14="http://schemas.microsoft.com/office/powerpoint/2010/main" val="3615580854"/>
+      </p:ext>
+    </p:extLst>
+  </p:cSld>
+  <p:clrMapOvr>
+    <a:masterClrMapping/>
+  </p:clrMapOvr>
+  <p:timing>
+    <p:tnLst>
+      <p:par>
+        <p:cTn xmlns:p14="http://schemas.microsoft.com/office/powerpoint/2010/main" id="1" dur="indefinite" restart="never" nodeType="tmRoot"/>
+      </p:par>
+    </p:tnLst>
+  </p:timing>
+</p:sld>
+</file>
+
+<file path=ppt/slides/slide9.xml><?xml version="1.0" encoding="utf-8"?>
+<p:sld xmlns:a="http://schemas.openxmlformats.org/drawingml/2006/main" xmlns:r="http://schemas.openxmlformats.org/officeDocument/2006/relationships" xmlns:p="http://schemas.openxmlformats.org/presentationml/2006/main">
+  <p:cSld>
+    <p:spTree>
+      <p:nvGrpSpPr>
+        <p:cNvPr id="1" name=""/>
+        <p:cNvGrpSpPr/>
+        <p:nvPr/>
+      </p:nvGrpSpPr>
+      <p:grpSpPr>
+        <a:xfrm>
+          <a:off x="0" y="0"/>
+          <a:ext cx="0" cy="0"/>
+          <a:chOff x="0" y="0"/>
+          <a:chExt cx="0" cy="0"/>
+        </a:xfrm>
+      </p:grpSpPr>
+      <p:sp>
+        <p:nvSpPr>
+          <p:cNvPr id="2" name="Title 1"/>
+          <p:cNvSpPr>
+            <a:spLocks noGrp="1"/>
+          </p:cNvSpPr>
+          <p:nvPr>
+            <p:ph type="ctrTitle"/>
+          </p:nvPr>
+        </p:nvSpPr>
+        <p:spPr/>
+        <p:txBody>
+          <a:bodyPr/>
+          <a:lstStyle/>
+          <a:p>
+            <a:r>
+              <a:rPr lang="sv-SE" dirty="0" smtClean="0"/>
+              <a:t>Testa, testa, testa!</a:t>
+            </a:r>
+            <a:endParaRPr lang="sv-SE" dirty="0"/>
+          </a:p>
+        </p:txBody>
+      </p:sp>
+      <p:pic>
+        <p:nvPicPr>
+          <p:cNvPr id="37890" name="Picture 2"/>
+          <p:cNvPicPr>
+            <a:picLocks noChangeAspect="1" noChangeArrowheads="1"/>
+          </p:cNvPicPr>
+          <p:nvPr/>
+        </p:nvPicPr>
+        <p:blipFill>
+          <a:blip r:embed="rId2">
+            <a:extLst>
+              <a:ext uri="{28A0092B-C50C-407E-A947-70E740481C1C}">
+                <a14:useLocalDpi xmlns:a14="http://schemas.microsoft.com/office/drawing/2010/main" val="0"/>
+              </a:ext>
+            </a:extLst>
+          </a:blip>
+          <a:srcRect/>
+          <a:stretch>
+            <a:fillRect/>
+          </a:stretch>
+        </p:blipFill>
+        <p:spPr bwMode="auto">
+          <a:xfrm>
+            <a:off x="683568" y="1343025"/>
+            <a:ext cx="2019300" cy="1514475"/>
+          </a:xfrm>
+          <a:prstGeom prst="rect">
+            <a:avLst/>
+          </a:prstGeom>
+          <a:noFill/>
+          <a:ln>
+            <a:noFill/>
+          </a:ln>
+          <a:effectLst/>
+          <a:extLst>
+            <a:ext uri="{909E8E84-426E-40dd-AFC4-6F175D3DCCD1}">
+              <a14:hiddenFill xmlns:a14="http://schemas.microsoft.com/office/drawing/2010/main">
+                <a:solidFill>
+                  <a:schemeClr val="accent1"/>
+                </a:solidFill>
+              </a14:hiddenFill>
+            </a:ext>
+            <a:ext uri="{91240B29-F687-4f45-9708-019B960494DF}">
+              <a14:hiddenLine xmlns:a14="http://schemas.microsoft.com/office/drawing/2010/main" w="9525">
+                <a:solidFill>
+                  <a:schemeClr val="tx1"/>
+                </a:solidFill>
+                <a:miter lim="800000"/>
+                <a:headEnd/>
+                <a:tailEnd/>
+              </a14:hiddenLine>
+            </a:ext>
+            <a:ext uri="{AF507438-7753-43e0-B8FC-AC1667EBCBE1}">
+              <a14:hiddenEffects xmlns:a14="http://schemas.microsoft.com/office/drawing/2010/main">
+                <a:effectLst>
+                  <a:outerShdw dist="35921" dir="2700000" algn="ctr" rotWithShape="0">
+                    <a:schemeClr val="bg2"/>
+                  </a:outerShdw>
+                </a:effectLst>
+              </a14:hiddenEffects>
+            </a:ext>
+          </a:extLst>
+        </p:spPr>
+      </p:pic>
+      <p:pic>
+        <p:nvPicPr>
+          <p:cNvPr id="37891" name="Picture 3"/>
+          <p:cNvPicPr>
+            <a:picLocks noChangeAspect="1" noChangeArrowheads="1"/>
+          </p:cNvPicPr>
+          <p:nvPr/>
+        </p:nvPicPr>
+        <p:blipFill>
+          <a:blip r:embed="rId3">
+            <a:extLst>
+              <a:ext uri="{28A0092B-C50C-407E-A947-70E740481C1C}">
+                <a14:useLocalDpi xmlns:a14="http://schemas.microsoft.com/office/drawing/2010/main" val="0"/>
+              </a:ext>
+            </a:extLst>
+          </a:blip>
+          <a:srcRect/>
+          <a:stretch>
+            <a:fillRect/>
+          </a:stretch>
+        </p:blipFill>
+        <p:spPr bwMode="auto">
+          <a:xfrm>
+            <a:off x="1403648" y="2353444"/>
+            <a:ext cx="2019300" cy="1514475"/>
+          </a:xfrm>
+          <a:prstGeom prst="rect">
+            <a:avLst/>
+          </a:prstGeom>
+          <a:noFill/>
+          <a:ln>
+            <a:noFill/>
+          </a:ln>
+          <a:effectLst/>
+          <a:extLst>
+            <a:ext uri="{909E8E84-426E-40dd-AFC4-6F175D3DCCD1}">
+              <a14:hiddenFill xmlns:a14="http://schemas.microsoft.com/office/drawing/2010/main">
+                <a:solidFill>
+                  <a:schemeClr val="accent1"/>
+                </a:solidFill>
+              </a14:hiddenFill>
+            </a:ext>
+            <a:ext uri="{91240B29-F687-4f45-9708-019B960494DF}">
+              <a14:hiddenLine xmlns:a14="http://schemas.microsoft.com/office/drawing/2010/main" w="9525">
+                <a:solidFill>
+                  <a:schemeClr val="tx1"/>
+                </a:solidFill>
+                <a:miter lim="800000"/>
+                <a:headEnd/>
+                <a:tailEnd/>
+              </a14:hiddenLine>
+            </a:ext>
+            <a:ext uri="{AF507438-7753-43e0-B8FC-AC1667EBCBE1}">
+              <a14:hiddenEffects xmlns:a14="http://schemas.microsoft.com/office/drawing/2010/main">
+                <a:effectLst>
+                  <a:outerShdw dist="35921" dir="2700000" algn="ctr" rotWithShape="0">
+                    <a:schemeClr val="bg2"/>
+                  </a:outerShdw>
+                </a:effectLst>
+              </a14:hiddenEffects>
+            </a:ext>
+          </a:extLst>
+        </p:spPr>
+      </p:pic>
+      <p:pic>
+        <p:nvPicPr>
+          <p:cNvPr id="37892" name="Picture 4"/>
+          <p:cNvPicPr>
+            <a:picLocks noChangeAspect="1" noChangeArrowheads="1"/>
+          </p:cNvPicPr>
+          <p:nvPr/>
+        </p:nvPicPr>
+        <p:blipFill>
+          <a:blip r:embed="rId4">
+            <a:extLst>
+              <a:ext uri="{28A0092B-C50C-407E-A947-70E740481C1C}">
+                <a14:useLocalDpi xmlns:a14="http://schemas.microsoft.com/office/drawing/2010/main" val="0"/>
+              </a:ext>
+            </a:extLst>
+          </a:blip>
+          <a:srcRect/>
+          <a:stretch>
+            <a:fillRect/>
+          </a:stretch>
+        </p:blipFill>
+        <p:spPr bwMode="auto">
+          <a:xfrm>
+            <a:off x="664065" y="3505572"/>
+            <a:ext cx="2019300" cy="1514475"/>
+          </a:xfrm>
+          <a:prstGeom prst="rect">
+            <a:avLst/>
+          </a:prstGeom>
+          <a:noFill/>
+          <a:ln>
+            <a:noFill/>
+          </a:ln>
+          <a:effectLst/>
+          <a:extLst>
+            <a:ext uri="{909E8E84-426E-40dd-AFC4-6F175D3DCCD1}">
+              <a14:hiddenFill xmlns:a14="http://schemas.microsoft.com/office/drawing/2010/main">
+                <a:solidFill>
+                  <a:schemeClr val="accent1"/>
+                </a:solidFill>
+              </a14:hiddenFill>
+            </a:ext>
+            <a:ext uri="{91240B29-F687-4f45-9708-019B960494DF}">
+              <a14:hiddenLine xmlns:a14="http://schemas.microsoft.com/office/drawing/2010/main" w="9525">
+                <a:solidFill>
+                  <a:schemeClr val="tx1"/>
+                </a:solidFill>
+                <a:miter lim="800000"/>
+                <a:headEnd/>
+                <a:tailEnd/>
+              </a14:hiddenLine>
+            </a:ext>
+            <a:ext uri="{AF507438-7753-43e0-B8FC-AC1667EBCBE1}">
+              <a14:hiddenEffects xmlns:a14="http://schemas.microsoft.com/office/drawing/2010/main">
+                <a:effectLst>
+                  <a:outerShdw dist="35921" dir="2700000" algn="ctr" rotWithShape="0">
+                    <a:schemeClr val="bg2"/>
+                  </a:outerShdw>
+                </a:effectLst>
+              </a14:hiddenEffects>
+            </a:ext>
+          </a:extLst>
+        </p:spPr>
+      </p:pic>
+      <p:pic>
+        <p:nvPicPr>
+          <p:cNvPr id="37897" name="Picture 9" descr="http://www.virtualbox.org/graphics/vbox_logo2_gradient.png"/>
+          <p:cNvPicPr>
+            <a:picLocks noChangeAspect="1" noChangeArrowheads="1"/>
+          </p:cNvPicPr>
+          <p:nvPr/>
+        </p:nvPicPr>
+        <p:blipFill>
+          <a:blip r:embed="rId5">
+            <a:extLst>
+              <a:ext uri="{28A0092B-C50C-407E-A947-70E740481C1C}">
+                <a14:useLocalDpi xmlns:a14="http://schemas.microsoft.com/office/drawing/2010/main" val="0"/>
+              </a:ext>
+            </a:extLst>
+          </a:blip>
+          <a:srcRect/>
+          <a:stretch>
+            <a:fillRect/>
+          </a:stretch>
+        </p:blipFill>
+        <p:spPr bwMode="auto">
+          <a:xfrm>
+            <a:off x="5580112" y="2100262"/>
+            <a:ext cx="1333500" cy="1714500"/>
+          </a:xfrm>
+          <a:prstGeom prst="rect">
+            <a:avLst/>
+          </a:prstGeom>
+          <a:solidFill>
+            <a:srgbClr val="FFFFFF">
+              <a:shade val="85000"/>
+            </a:srgbClr>
+          </a:solidFill>
+          <a:ln w="190500" cap="sq">
+            <a:solidFill>
+              <a:srgbClr val="FFFFFF"/>
+            </a:solidFill>
+            <a:miter lim="800000"/>
+          </a:ln>
+          <a:effectLst>
+            <a:outerShdw blurRad="65000" dist="50800" dir="12900000" kx="195000" ky="145000" algn="tl" rotWithShape="0">
+              <a:srgbClr val="000000">
+                <a:alpha val="30000"/>
+              </a:srgbClr>
+            </a:outerShdw>
+          </a:effectLst>
+          <a:scene3d>
+            <a:camera prst="orthographicFront">
+              <a:rot lat="0" lon="0" rev="360000"/>
+            </a:camera>
+            <a:lightRig rig="twoPt" dir="t">
+              <a:rot lat="0" lon="0" rev="7200000"/>
+            </a:lightRig>
+          </a:scene3d>
+          <a:sp3d contourW="12700">
+            <a:bevelT w="25400" h="19050"/>
+            <a:contourClr>
+              <a:srgbClr val="969696"/>
+            </a:contourClr>
+          </a:sp3d>
+          <a:extLst/>
+        </p:spPr>
+      </p:pic>
+      <p:sp>
+        <p:nvSpPr>
+          <p:cNvPr id="27" name="TextBox 26"/>
+          <p:cNvSpPr txBox="1"/>
+          <p:nvPr/>
+        </p:nvSpPr>
+        <p:spPr>
+          <a:xfrm rot="21253772">
+            <a:off x="5724128" y="3886900"/>
+            <a:ext cx="1399742" cy="369332"/>
+          </a:xfrm>
+          <a:prstGeom prst="rect">
+            <a:avLst/>
+          </a:prstGeom>
+          <a:noFill/>
+        </p:spPr>
+        <p:txBody>
+          <a:bodyPr wrap="none" rtlCol="0">
+            <a:spAutoFit/>
+          </a:bodyPr>
+          <a:lstStyle/>
+          <a:p>
+            <a:r>
+              <a:rPr lang="sv-SE" dirty="0" err="1" smtClean="0">
+                <a:latin typeface="Minya Nouvelle" pitchFamily="2" charset="0"/>
+              </a:rPr>
+              <a:t>Virtual</a:t>
+            </a:r>
+            <a:r>
+              <a:rPr lang="sv-SE" dirty="0">
+                <a:latin typeface="Minya Nouvelle" pitchFamily="2" charset="0"/>
+              </a:rPr>
+              <a:t> </a:t>
+            </a:r>
+            <a:r>
+              <a:rPr lang="sv-SE" dirty="0" smtClean="0">
+                <a:latin typeface="Minya Nouvelle" pitchFamily="2" charset="0"/>
+              </a:rPr>
+              <a:t>Box</a:t>
+            </a:r>
+          </a:p>
+        </p:txBody>
+      </p:sp>
+      <p:sp>
+        <p:nvSpPr>
+          <p:cNvPr id="29" name="Rectangle 28"/>
+          <p:cNvSpPr/>
+          <p:nvPr/>
+        </p:nvSpPr>
+        <p:spPr>
+          <a:xfrm>
+            <a:off x="467544" y="5089748"/>
+            <a:ext cx="3122971" cy="369332"/>
+          </a:xfrm>
+          <a:prstGeom prst="rect">
+            <a:avLst/>
+          </a:prstGeom>
+        </p:spPr>
+        <p:txBody>
+          <a:bodyPr wrap="none">
+            <a:spAutoFit/>
+          </a:bodyPr>
+          <a:lstStyle/>
+          <a:p>
+            <a:r>
+              <a:rPr lang="sv-SE" dirty="0">
+                <a:latin typeface="Minya Nouvelle" charset="0"/>
+              </a:rPr>
+              <a:t>http://spoon.net/browsers/</a:t>
+            </a:r>
+          </a:p>
+        </p:txBody>
+      </p:sp>
+      <p:sp>
+        <p:nvSpPr>
+          <p:cNvPr id="30" name="Rectangle 29"/>
+          <p:cNvSpPr/>
+          <p:nvPr/>
+        </p:nvSpPr>
+        <p:spPr>
+          <a:xfrm>
+            <a:off x="4405100" y="5020047"/>
+            <a:ext cx="4572000" cy="369332"/>
+          </a:xfrm>
+          <a:prstGeom prst="rect">
+            <a:avLst/>
+          </a:prstGeom>
+        </p:spPr>
+        <p:txBody>
+          <a:bodyPr>
+            <a:spAutoFit/>
+          </a:bodyPr>
+          <a:lstStyle/>
+          <a:p>
+            <a:pPr algn="r"/>
+            <a:r>
+              <a:rPr lang="sv-SE" dirty="0"/>
+              <a:t>http://</a:t>
+            </a:r>
+            <a:r>
+              <a:rPr lang="sv-SE" dirty="0" err="1"/>
+              <a:t>goo.gl</a:t>
+            </a:r>
+            <a:r>
+              <a:rPr lang="sv-SE" dirty="0"/>
+              <a:t>/L1xeOj</a:t>
+            </a:r>
+          </a:p>
+        </p:txBody>
+      </p:sp>
+      <p:sp>
+        <p:nvSpPr>
+          <p:cNvPr id="31" name="TextBox 30"/>
+          <p:cNvSpPr txBox="1"/>
+          <p:nvPr/>
+        </p:nvSpPr>
+        <p:spPr>
+          <a:xfrm>
+            <a:off x="4499168" y="4838590"/>
+            <a:ext cx="2414444" cy="646331"/>
+          </a:xfrm>
+          <a:prstGeom prst="rect">
+            <a:avLst/>
+          </a:prstGeom>
+          <a:noFill/>
+        </p:spPr>
+        <p:txBody>
+          <a:bodyPr wrap="none" rtlCol="0">
+            <a:spAutoFit/>
+          </a:bodyPr>
+          <a:lstStyle/>
+          <a:p>
+            <a:r>
+              <a:rPr lang="sv-SE" dirty="0" err="1" smtClean="0">
+                <a:latin typeface="Minya Nouvelle" pitchFamily="2" charset="0"/>
+              </a:rPr>
+              <a:t>Smashing</a:t>
+            </a:r>
+            <a:r>
+              <a:rPr lang="sv-SE" dirty="0" smtClean="0">
+                <a:latin typeface="Minya Nouvelle" pitchFamily="2" charset="0"/>
+              </a:rPr>
+              <a:t> Magazine: </a:t>
+            </a:r>
+            <a:br>
+              <a:rPr lang="sv-SE" dirty="0" smtClean="0">
+                <a:latin typeface="Minya Nouvelle" pitchFamily="2" charset="0"/>
+              </a:rPr>
+            </a:br>
+            <a:r>
+              <a:rPr lang="sv-SE" dirty="0" smtClean="0">
+                <a:latin typeface="Minya Nouvelle" pitchFamily="2" charset="0"/>
+              </a:rPr>
+              <a:t>Crossbrowser </a:t>
+            </a:r>
+            <a:r>
+              <a:rPr lang="sv-SE" dirty="0" err="1" smtClean="0">
+                <a:latin typeface="Minya Nouvelle" pitchFamily="2" charset="0"/>
+              </a:rPr>
+              <a:t>review</a:t>
+            </a:r>
+            <a:r>
+              <a:rPr lang="sv-SE" dirty="0" smtClean="0">
+                <a:latin typeface="Minya Nouvelle" pitchFamily="2" charset="0"/>
+              </a:rPr>
+              <a:t>:</a:t>
+            </a:r>
+          </a:p>
+        </p:txBody>
+      </p:sp>
+    </p:spTree>
+    <p:extLst>
+      <p:ext uri="{BB962C8B-B14F-4D97-AF65-F5344CB8AC3E}">
+        <p14:creationId xmlns:p14="http://schemas.microsoft.com/office/powerpoint/2010/main" val="1883267435"/>
       </p:ext>
     </p:extLst>
   </p:cSld>
